--- a/PPTs/8.1 8.2 Overview Cryptography.pptx
+++ b/PPTs/8.1 8.2 Overview Cryptography.pptx
@@ -235,7 +235,7 @@
           <a:p>
             <a:fld id="{D153024D-5FCD-D142-BBE1-7B391F60AD88}" type="datetimeFigureOut">
               <a:rPr lang="en-US" smtClean="0"/>
-              <a:t>9/6/2024</a:t>
+              <a:t>11/10/2024</a:t>
             </a:fld>
             <a:endParaRPr lang="en-US" dirty="0"/>
           </a:p>
@@ -3927,6 +3927,54 @@
           </a:p>
         </p:txBody>
       </p:sp>
+      <p:sp>
+        <p:nvSpPr>
+          <p:cNvPr id="6" name="TextBox 5">
+            <a:extLst>
+              <a:ext uri="{FF2B5EF4-FFF2-40B4-BE49-F238E27FC236}">
+                <a16:creationId xmlns:a16="http://schemas.microsoft.com/office/drawing/2014/main" id="{745829FF-C97D-4D7F-3CB0-779A176BB62B}"/>
+              </a:ext>
+            </a:extLst>
+          </p:cNvPr>
+          <p:cNvSpPr txBox="1"/>
+          <p:nvPr userDrawn="1">
+            <p:extLst>
+              <p:ext uri="{1162E1C5-73C7-4A58-AE30-91384D911F3F}">
+                <p184:classification xmlns:p184="http://schemas.microsoft.com/office/powerpoint/2018/4/main" val="hdr"/>
+              </p:ext>
+            </p:extLst>
+          </p:nvPr>
+        </p:nvSpPr>
+        <p:spPr>
+          <a:xfrm>
+            <a:off x="11363325" y="63500"/>
+            <a:ext cx="787400" cy="121920"/>
+          </a:xfrm>
+          <a:prstGeom prst="rect">
+            <a:avLst/>
+          </a:prstGeom>
+        </p:spPr>
+        <p:txBody>
+          <a:bodyPr horzOverflow="overflow" lIns="0" tIns="0" rIns="0" bIns="0">
+            <a:spAutoFit/>
+          </a:bodyPr>
+          <a:lstStyle/>
+          <a:p>
+            <a:pPr algn="l"/>
+            <a:r>
+              <a:rPr lang="en-SE" sz="800">
+                <a:solidFill>
+                  <a:srgbClr val="000000"/>
+                </a:solidFill>
+                <a:latin typeface="Calibri" panose="020F0502020204030204" pitchFamily="34" charset="0"/>
+                <a:ea typeface="Calibri" panose="020F0502020204030204" pitchFamily="34" charset="0"/>
+                <a:cs typeface="Calibri" panose="020F0502020204030204" pitchFamily="34" charset="0"/>
+              </a:rPr>
+              <a:t>Begränsad delning</a:t>
+            </a:r>
+          </a:p>
+        </p:txBody>
+      </p:sp>
     </p:spTree>
     <p:extLst>
       <p:ext uri="{BB962C8B-B14F-4D97-AF65-F5344CB8AC3E}">
@@ -5617,7 +5665,7 @@
           </a:ln>
           <a:extLst>
             <a:ext uri="{91240B29-F687-4f45-9708-019B960494DF}">
-              <a14:hiddenLine xmlns:a14="http://schemas.microsoft.com/office/drawing/2010/main" xmlns="" w="9525">
+              <a14:hiddenLine xmlns="" xmlns:a14="http://schemas.microsoft.com/office/drawing/2010/main" w="9525">
                 <a:solidFill>
                   <a:srgbClr val="000000"/>
                 </a:solidFill>
@@ -5785,7 +5833,7 @@
           </a:ln>
           <a:extLst>
             <a:ext uri="{91240B29-F687-4f45-9708-019B960494DF}">
-              <a14:hiddenLine xmlns:a14="http://schemas.microsoft.com/office/drawing/2010/main" xmlns="" w="9525">
+              <a14:hiddenLine xmlns="" xmlns:a14="http://schemas.microsoft.com/office/drawing/2010/main" w="9525">
                 <a:solidFill>
                   <a:srgbClr val="000000"/>
                 </a:solidFill>
@@ -5975,7 +6023,7 @@
             </a:ln>
             <a:extLst>
               <a:ext uri="{91240B29-F687-4f45-9708-019B960494DF}">
-                <a14:hiddenLine xmlns:a14="http://schemas.microsoft.com/office/drawing/2010/main" xmlns="" w="9525">
+                <a14:hiddenLine xmlns="" xmlns:a14="http://schemas.microsoft.com/office/drawing/2010/main" w="9525">
                   <a:solidFill>
                     <a:srgbClr val="000000"/>
                   </a:solidFill>
@@ -6141,14 +6189,14 @@
             </a:ln>
             <a:extLst>
               <a:ext uri="{909E8E84-426E-40dd-AFC4-6F175D3DCCD1}">
-                <a14:hiddenFill xmlns:a14="http://schemas.microsoft.com/office/drawing/2010/main" xmlns="">
+                <a14:hiddenFill xmlns="" xmlns:a14="http://schemas.microsoft.com/office/drawing/2010/main">
                   <a:solidFill>
                     <a:srgbClr val="FFFFFF"/>
                   </a:solidFill>
                 </a14:hiddenFill>
               </a:ext>
               <a:ext uri="{91240B29-F687-4f45-9708-019B960494DF}">
-                <a14:hiddenLine xmlns:a14="http://schemas.microsoft.com/office/drawing/2010/main" xmlns="" w="9525">
+                <a14:hiddenLine xmlns="" xmlns:a14="http://schemas.microsoft.com/office/drawing/2010/main" w="9525">
                   <a:solidFill>
                     <a:srgbClr val="000000"/>
                   </a:solidFill>
@@ -6328,14 +6376,14 @@
           </a:ln>
           <a:extLst>
             <a:ext uri="{909E8E84-426E-40dd-AFC4-6F175D3DCCD1}">
-              <a14:hiddenFill xmlns:a14="http://schemas.microsoft.com/office/drawing/2010/main" xmlns="">
+              <a14:hiddenFill xmlns="" xmlns:a14="http://schemas.microsoft.com/office/drawing/2010/main">
                 <a:solidFill>
                   <a:srgbClr val="FFFFFF"/>
                 </a:solidFill>
               </a14:hiddenFill>
             </a:ext>
             <a:ext uri="{91240B29-F687-4f45-9708-019B960494DF}">
-              <a14:hiddenLine xmlns:a14="http://schemas.microsoft.com/office/drawing/2010/main" xmlns="" w="9525">
+              <a14:hiddenLine xmlns="" xmlns:a14="http://schemas.microsoft.com/office/drawing/2010/main" w="9525">
                 <a:solidFill>
                   <a:srgbClr val="000000"/>
                 </a:solidFill>
@@ -6426,14 +6474,14 @@
           </a:ln>
           <a:extLst>
             <a:ext uri="{909E8E84-426E-40dd-AFC4-6F175D3DCCD1}">
-              <a14:hiddenFill xmlns:a14="http://schemas.microsoft.com/office/drawing/2010/main" xmlns="">
+              <a14:hiddenFill xmlns="" xmlns:a14="http://schemas.microsoft.com/office/drawing/2010/main">
                 <a:solidFill>
                   <a:srgbClr val="FFFFFF"/>
                 </a:solidFill>
               </a14:hiddenFill>
             </a:ext>
             <a:ext uri="{91240B29-F687-4f45-9708-019B960494DF}">
-              <a14:hiddenLine xmlns:a14="http://schemas.microsoft.com/office/drawing/2010/main" xmlns="" w="9525">
+              <a14:hiddenLine xmlns="" xmlns:a14="http://schemas.microsoft.com/office/drawing/2010/main" w="9525">
                 <a:solidFill>
                   <a:srgbClr val="000000"/>
                 </a:solidFill>
@@ -6678,14 +6726,14 @@
           </a:effectLst>
           <a:extLst>
             <a:ext uri="{909E8E84-426E-40dd-AFC4-6F175D3DCCD1}">
-              <a14:hiddenFill xmlns:a14="http://schemas.microsoft.com/office/drawing/2010/main" xmlns="">
+              <a14:hiddenFill xmlns="" xmlns:a14="http://schemas.microsoft.com/office/drawing/2010/main">
                 <a:solidFill>
                   <a:srgbClr val="FFFFFF"/>
                 </a:solidFill>
               </a14:hiddenFill>
             </a:ext>
             <a:ext uri="{91240B29-F687-4f45-9708-019B960494DF}">
-              <a14:hiddenLine xmlns:a14="http://schemas.microsoft.com/office/drawing/2010/main" xmlns="" w="9525">
+              <a14:hiddenLine xmlns="" xmlns:a14="http://schemas.microsoft.com/office/drawing/2010/main" w="9525">
                 <a:solidFill>
                   <a:srgbClr val="000000"/>
                 </a:solidFill>
@@ -6885,14 +6933,14 @@
           </a:ln>
           <a:extLst>
             <a:ext uri="{909E8E84-426E-40dd-AFC4-6F175D3DCCD1}">
-              <a14:hiddenFill xmlns:a14="http://schemas.microsoft.com/office/drawing/2010/main" xmlns="">
+              <a14:hiddenFill xmlns="" xmlns:a14="http://schemas.microsoft.com/office/drawing/2010/main">
                 <a:solidFill>
                   <a:srgbClr val="FFFFFF"/>
                 </a:solidFill>
               </a14:hiddenFill>
             </a:ext>
             <a:ext uri="{91240B29-F687-4f45-9708-019B960494DF}">
-              <a14:hiddenLine xmlns:a14="http://schemas.microsoft.com/office/drawing/2010/main" xmlns="" w="9525">
+              <a14:hiddenLine xmlns="" xmlns:a14="http://schemas.microsoft.com/office/drawing/2010/main" w="9525">
                 <a:solidFill>
                   <a:srgbClr val="000000"/>
                 </a:solidFill>
@@ -6956,7 +7004,7 @@
             </a:ln>
             <a:extLst>
               <a:ext uri="{91240B29-F687-4f45-9708-019B960494DF}">
-                <a14:hiddenLine xmlns:a14="http://schemas.microsoft.com/office/drawing/2010/main" xmlns="" w="9525">
+                <a14:hiddenLine xmlns="" xmlns:a14="http://schemas.microsoft.com/office/drawing/2010/main" w="9525">
                   <a:solidFill>
                     <a:srgbClr val="000000"/>
                   </a:solidFill>
@@ -7122,14 +7170,14 @@
             </a:ln>
             <a:extLst>
               <a:ext uri="{909E8E84-426E-40dd-AFC4-6F175D3DCCD1}">
-                <a14:hiddenFill xmlns:a14="http://schemas.microsoft.com/office/drawing/2010/main" xmlns="">
+                <a14:hiddenFill xmlns="" xmlns:a14="http://schemas.microsoft.com/office/drawing/2010/main">
                   <a:solidFill>
                     <a:srgbClr val="FFFFFF"/>
                   </a:solidFill>
                 </a14:hiddenFill>
               </a:ext>
               <a:ext uri="{91240B29-F687-4f45-9708-019B960494DF}">
-                <a14:hiddenLine xmlns:a14="http://schemas.microsoft.com/office/drawing/2010/main" xmlns="" w="9525">
+                <a14:hiddenLine xmlns="" xmlns:a14="http://schemas.microsoft.com/office/drawing/2010/main" w="9525">
                   <a:solidFill>
                     <a:srgbClr val="000000"/>
                   </a:solidFill>
@@ -7309,14 +7357,14 @@
           </a:ln>
           <a:extLst>
             <a:ext uri="{909E8E84-426E-40dd-AFC4-6F175D3DCCD1}">
-              <a14:hiddenFill xmlns:a14="http://schemas.microsoft.com/office/drawing/2010/main" xmlns="">
+              <a14:hiddenFill xmlns="" xmlns:a14="http://schemas.microsoft.com/office/drawing/2010/main">
                 <a:solidFill>
                   <a:srgbClr val="FFFFFF"/>
                 </a:solidFill>
               </a14:hiddenFill>
             </a:ext>
             <a:ext uri="{91240B29-F687-4f45-9708-019B960494DF}">
-              <a14:hiddenLine xmlns:a14="http://schemas.microsoft.com/office/drawing/2010/main" xmlns="" w="9525">
+              <a14:hiddenLine xmlns="" xmlns:a14="http://schemas.microsoft.com/office/drawing/2010/main" w="9525">
                 <a:solidFill>
                   <a:srgbClr val="000000"/>
                 </a:solidFill>
@@ -7369,14 +7417,14 @@
           </a:ln>
           <a:extLst>
             <a:ext uri="{909E8E84-426E-40dd-AFC4-6F175D3DCCD1}">
-              <a14:hiddenFill xmlns:a14="http://schemas.microsoft.com/office/drawing/2010/main" xmlns="">
+              <a14:hiddenFill xmlns="" xmlns:a14="http://schemas.microsoft.com/office/drawing/2010/main">
                 <a:solidFill>
                   <a:srgbClr val="FFFFFF"/>
                 </a:solidFill>
               </a14:hiddenFill>
             </a:ext>
             <a:ext uri="{91240B29-F687-4f45-9708-019B960494DF}">
-              <a14:hiddenLine xmlns:a14="http://schemas.microsoft.com/office/drawing/2010/main" xmlns="" w="9525">
+              <a14:hiddenLine xmlns="" xmlns:a14="http://schemas.microsoft.com/office/drawing/2010/main" w="9525">
                 <a:solidFill>
                   <a:srgbClr val="000000"/>
                 </a:solidFill>
@@ -7632,7 +7680,7 @@
           </a:ln>
           <a:extLst>
             <a:ext uri="{91240B29-F687-4f45-9708-019B960494DF}">
-              <a14:hiddenLine xmlns:a14="http://schemas.microsoft.com/office/drawing/2010/main" xmlns="" w="9525">
+              <a14:hiddenLine xmlns="" xmlns:a14="http://schemas.microsoft.com/office/drawing/2010/main" w="9525">
                 <a:solidFill>
                   <a:srgbClr val="000000"/>
                 </a:solidFill>
@@ -7798,14 +7846,14 @@
           </a:ln>
           <a:extLst>
             <a:ext uri="{909E8E84-426E-40dd-AFC4-6F175D3DCCD1}">
-              <a14:hiddenFill xmlns:a14="http://schemas.microsoft.com/office/drawing/2010/main" xmlns="">
+              <a14:hiddenFill xmlns="" xmlns:a14="http://schemas.microsoft.com/office/drawing/2010/main">
                 <a:solidFill>
                   <a:srgbClr val="FFFFFF"/>
                 </a:solidFill>
               </a14:hiddenFill>
             </a:ext>
             <a:ext uri="{91240B29-F687-4f45-9708-019B960494DF}">
-              <a14:hiddenLine xmlns:a14="http://schemas.microsoft.com/office/drawing/2010/main" xmlns="" w="9525">
+              <a14:hiddenLine xmlns="" xmlns:a14="http://schemas.microsoft.com/office/drawing/2010/main" w="9525">
                 <a:solidFill>
                   <a:srgbClr val="000000"/>
                 </a:solidFill>
@@ -7971,14 +8019,14 @@
           </a:ln>
           <a:extLst>
             <a:ext uri="{909E8E84-426E-40dd-AFC4-6F175D3DCCD1}">
-              <a14:hiddenFill xmlns:a14="http://schemas.microsoft.com/office/drawing/2010/main" xmlns="">
+              <a14:hiddenFill xmlns="" xmlns:a14="http://schemas.microsoft.com/office/drawing/2010/main">
                 <a:solidFill>
                   <a:srgbClr val="FFFFFF"/>
                 </a:solidFill>
               </a14:hiddenFill>
             </a:ext>
             <a:ext uri="{91240B29-F687-4f45-9708-019B960494DF}">
-              <a14:hiddenLine xmlns:a14="http://schemas.microsoft.com/office/drawing/2010/main" xmlns="" w="9525">
+              <a14:hiddenLine xmlns="" xmlns:a14="http://schemas.microsoft.com/office/drawing/2010/main" w="9525">
                 <a:solidFill>
                   <a:srgbClr val="000000"/>
                 </a:solidFill>
@@ -8750,14 +8798,14 @@
           </a:ln>
           <a:extLst>
             <a:ext uri="{909E8E84-426E-40dd-AFC4-6F175D3DCCD1}">
-              <a14:hiddenFill xmlns:a14="http://schemas.microsoft.com/office/drawing/2010/main" xmlns="">
+              <a14:hiddenFill xmlns="" xmlns:a14="http://schemas.microsoft.com/office/drawing/2010/main">
                 <a:solidFill>
                   <a:srgbClr val="FFFFFF"/>
                 </a:solidFill>
               </a14:hiddenFill>
             </a:ext>
             <a:ext uri="{91240B29-F687-4f45-9708-019B960494DF}">
-              <a14:hiddenLine xmlns:a14="http://schemas.microsoft.com/office/drawing/2010/main" xmlns="" w="9525">
+              <a14:hiddenLine xmlns="" xmlns:a14="http://schemas.microsoft.com/office/drawing/2010/main" w="9525">
                 <a:solidFill>
                   <a:srgbClr val="000000"/>
                 </a:solidFill>
@@ -8812,14 +8860,14 @@
           </a:ln>
           <a:extLst>
             <a:ext uri="{909E8E84-426E-40dd-AFC4-6F175D3DCCD1}">
-              <a14:hiddenFill xmlns:a14="http://schemas.microsoft.com/office/drawing/2010/main" xmlns="">
+              <a14:hiddenFill xmlns="" xmlns:a14="http://schemas.microsoft.com/office/drawing/2010/main">
                 <a:solidFill>
                   <a:srgbClr val="FFFFFF"/>
                 </a:solidFill>
               </a14:hiddenFill>
             </a:ext>
             <a:ext uri="{91240B29-F687-4f45-9708-019B960494DF}">
-              <a14:hiddenLine xmlns:a14="http://schemas.microsoft.com/office/drawing/2010/main" xmlns="" w="9525">
+              <a14:hiddenLine xmlns="" xmlns:a14="http://schemas.microsoft.com/office/drawing/2010/main" w="9525">
                 <a:solidFill>
                   <a:srgbClr val="000000"/>
                 </a:solidFill>
@@ -8879,7 +8927,7 @@
           </a:ln>
           <a:extLst>
             <a:ext uri="{909E8E84-426E-40dd-AFC4-6F175D3DCCD1}">
-              <a14:hiddenFill xmlns:a14="http://schemas.microsoft.com/office/drawing/2010/main" xmlns="">
+              <a14:hiddenFill xmlns="" xmlns:a14="http://schemas.microsoft.com/office/drawing/2010/main">
                 <a:noFill/>
               </a14:hiddenFill>
             </a:ext>
@@ -8926,7 +8974,7 @@
           </a:ln>
           <a:extLst>
             <a:ext uri="{909E8E84-426E-40dd-AFC4-6F175D3DCCD1}">
-              <a14:hiddenFill xmlns:a14="http://schemas.microsoft.com/office/drawing/2010/main" xmlns="">
+              <a14:hiddenFill xmlns="" xmlns:a14="http://schemas.microsoft.com/office/drawing/2010/main">
                 <a:noFill/>
               </a14:hiddenFill>
             </a:ext>
@@ -8968,14 +9016,14 @@
           </a:ln>
           <a:extLst>
             <a:ext uri="{909E8E84-426E-40dd-AFC4-6F175D3DCCD1}">
-              <a14:hiddenFill xmlns:a14="http://schemas.microsoft.com/office/drawing/2010/main" xmlns="">
+              <a14:hiddenFill xmlns="" xmlns:a14="http://schemas.microsoft.com/office/drawing/2010/main">
                 <a:solidFill>
                   <a:srgbClr val="FFFFFF"/>
                 </a:solidFill>
               </a14:hiddenFill>
             </a:ext>
             <a:ext uri="{91240B29-F687-4f45-9708-019B960494DF}">
-              <a14:hiddenLine xmlns:a14="http://schemas.microsoft.com/office/drawing/2010/main" xmlns="" w="9525">
+              <a14:hiddenLine xmlns="" xmlns:a14="http://schemas.microsoft.com/office/drawing/2010/main" w="9525">
                 <a:solidFill>
                   <a:srgbClr val="000000"/>
                 </a:solidFill>
@@ -9030,14 +9078,14 @@
           </a:ln>
           <a:extLst>
             <a:ext uri="{909E8E84-426E-40dd-AFC4-6F175D3DCCD1}">
-              <a14:hiddenFill xmlns:a14="http://schemas.microsoft.com/office/drawing/2010/main" xmlns="">
+              <a14:hiddenFill xmlns="" xmlns:a14="http://schemas.microsoft.com/office/drawing/2010/main">
                 <a:solidFill>
                   <a:srgbClr val="FFFFFF"/>
                 </a:solidFill>
               </a14:hiddenFill>
             </a:ext>
             <a:ext uri="{91240B29-F687-4f45-9708-019B960494DF}">
-              <a14:hiddenLine xmlns:a14="http://schemas.microsoft.com/office/drawing/2010/main" xmlns="" w="9525">
+              <a14:hiddenLine xmlns="" xmlns:a14="http://schemas.microsoft.com/office/drawing/2010/main" w="9525">
                 <a:solidFill>
                   <a:srgbClr val="000000"/>
                 </a:solidFill>
@@ -9092,14 +9140,14 @@
           </a:ln>
           <a:extLst>
             <a:ext uri="{909E8E84-426E-40dd-AFC4-6F175D3DCCD1}">
-              <a14:hiddenFill xmlns:a14="http://schemas.microsoft.com/office/drawing/2010/main" xmlns="">
+              <a14:hiddenFill xmlns="" xmlns:a14="http://schemas.microsoft.com/office/drawing/2010/main">
                 <a:solidFill>
                   <a:srgbClr val="FFFFFF"/>
                 </a:solidFill>
               </a14:hiddenFill>
             </a:ext>
             <a:ext uri="{91240B29-F687-4f45-9708-019B960494DF}">
-              <a14:hiddenLine xmlns:a14="http://schemas.microsoft.com/office/drawing/2010/main" xmlns="" w="9525">
+              <a14:hiddenLine xmlns="" xmlns:a14="http://schemas.microsoft.com/office/drawing/2010/main" w="9525">
                 <a:solidFill>
                   <a:srgbClr val="000000"/>
                 </a:solidFill>
@@ -9265,14 +9313,14 @@
           </a:ln>
           <a:extLst>
             <a:ext uri="{909E8E84-426E-40dd-AFC4-6F175D3DCCD1}">
-              <a14:hiddenFill xmlns:a14="http://schemas.microsoft.com/office/drawing/2010/main" xmlns="">
+              <a14:hiddenFill xmlns="" xmlns:a14="http://schemas.microsoft.com/office/drawing/2010/main">
                 <a:solidFill>
                   <a:srgbClr val="FFFFFF"/>
                 </a:solidFill>
               </a14:hiddenFill>
             </a:ext>
             <a:ext uri="{91240B29-F687-4f45-9708-019B960494DF}">
-              <a14:hiddenLine xmlns:a14="http://schemas.microsoft.com/office/drawing/2010/main" xmlns="" w="9525">
+              <a14:hiddenLine xmlns="" xmlns:a14="http://schemas.microsoft.com/office/drawing/2010/main" w="9525">
                 <a:solidFill>
                   <a:srgbClr val="000000"/>
                 </a:solidFill>
@@ -9463,14 +9511,14 @@
           </a:ln>
           <a:extLst>
             <a:ext uri="{909E8E84-426E-40dd-AFC4-6F175D3DCCD1}">
-              <a14:hiddenFill xmlns:a14="http://schemas.microsoft.com/office/drawing/2010/main" xmlns="">
+              <a14:hiddenFill xmlns="" xmlns:a14="http://schemas.microsoft.com/office/drawing/2010/main">
                 <a:solidFill>
                   <a:srgbClr val="FFFFFF"/>
                 </a:solidFill>
               </a14:hiddenFill>
             </a:ext>
             <a:ext uri="{91240B29-F687-4f45-9708-019B960494DF}">
-              <a14:hiddenLine xmlns:a14="http://schemas.microsoft.com/office/drawing/2010/main" xmlns="" w="9525">
+              <a14:hiddenLine xmlns="" xmlns:a14="http://schemas.microsoft.com/office/drawing/2010/main" w="9525">
                 <a:solidFill>
                   <a:srgbClr val="000000"/>
                 </a:solidFill>
@@ -10183,14 +10231,14 @@
           </a:ln>
           <a:extLst>
             <a:ext uri="{909E8E84-426E-40dd-AFC4-6F175D3DCCD1}">
-              <a14:hiddenFill xmlns:a14="http://schemas.microsoft.com/office/drawing/2010/main" xmlns="">
+              <a14:hiddenFill xmlns="" xmlns:a14="http://schemas.microsoft.com/office/drawing/2010/main">
                 <a:solidFill>
                   <a:srgbClr val="FFFFFF"/>
                 </a:solidFill>
               </a14:hiddenFill>
             </a:ext>
             <a:ext uri="{91240B29-F687-4f45-9708-019B960494DF}">
-              <a14:hiddenLine xmlns:a14="http://schemas.microsoft.com/office/drawing/2010/main" xmlns="" w="9525">
+              <a14:hiddenLine xmlns="" xmlns:a14="http://schemas.microsoft.com/office/drawing/2010/main" w="9525">
                 <a:solidFill>
                   <a:srgbClr val="000000"/>
                 </a:solidFill>
@@ -11386,7 +11434,7 @@
             </a:ln>
             <a:extLst>
               <a:ext uri="{91240B29-F687-4f45-9708-019B960494DF}">
-                <a14:hiddenLine xmlns:a14="http://schemas.microsoft.com/office/drawing/2010/main" xmlns="" w="9525">
+                <a14:hiddenLine xmlns="" xmlns:a14="http://schemas.microsoft.com/office/drawing/2010/main" w="9525">
                   <a:solidFill>
                     <a:srgbClr val="000000"/>
                   </a:solidFill>
@@ -11433,14 +11481,14 @@
             </a:ln>
             <a:extLst>
               <a:ext uri="{909E8E84-426E-40dd-AFC4-6F175D3DCCD1}">
-                <a14:hiddenFill xmlns:a14="http://schemas.microsoft.com/office/drawing/2010/main" xmlns="">
+                <a14:hiddenFill xmlns="" xmlns:a14="http://schemas.microsoft.com/office/drawing/2010/main">
                   <a:solidFill>
                     <a:srgbClr val="FFFFFF"/>
                   </a:solidFill>
                 </a14:hiddenFill>
               </a:ext>
               <a:ext uri="{91240B29-F687-4f45-9708-019B960494DF}">
-                <a14:hiddenLine xmlns:a14="http://schemas.microsoft.com/office/drawing/2010/main" xmlns="" w="9525">
+                <a14:hiddenLine xmlns="" xmlns:a14="http://schemas.microsoft.com/office/drawing/2010/main" w="9525">
                   <a:solidFill>
                     <a:srgbClr val="000000"/>
                   </a:solidFill>
@@ -11519,14 +11567,14 @@
             </a:ln>
             <a:extLst>
               <a:ext uri="{909E8E84-426E-40dd-AFC4-6F175D3DCCD1}">
-                <a14:hiddenFill xmlns:a14="http://schemas.microsoft.com/office/drawing/2010/main" xmlns="">
+                <a14:hiddenFill xmlns="" xmlns:a14="http://schemas.microsoft.com/office/drawing/2010/main">
                   <a:solidFill>
                     <a:srgbClr val="FFFFFF"/>
                   </a:solidFill>
                 </a14:hiddenFill>
               </a:ext>
               <a:ext uri="{91240B29-F687-4f45-9708-019B960494DF}">
-                <a14:hiddenLine xmlns:a14="http://schemas.microsoft.com/office/drawing/2010/main" xmlns="" w="9525">
+                <a14:hiddenLine xmlns="" xmlns:a14="http://schemas.microsoft.com/office/drawing/2010/main" w="9525">
                   <a:solidFill>
                     <a:srgbClr val="000000"/>
                   </a:solidFill>
@@ -12023,14 +12071,14 @@
           </a:ln>
           <a:extLst>
             <a:ext uri="{909E8E84-426E-40dd-AFC4-6F175D3DCCD1}">
-              <a14:hiddenFill xmlns:a14="http://schemas.microsoft.com/office/drawing/2010/main" xmlns="">
+              <a14:hiddenFill xmlns="" xmlns:a14="http://schemas.microsoft.com/office/drawing/2010/main">
                 <a:solidFill>
                   <a:srgbClr val="FFFFFF"/>
                 </a:solidFill>
               </a14:hiddenFill>
             </a:ext>
             <a:ext uri="{91240B29-F687-4f45-9708-019B960494DF}">
-              <a14:hiddenLine xmlns:a14="http://schemas.microsoft.com/office/drawing/2010/main" xmlns="" w="9525">
+              <a14:hiddenLine xmlns="" xmlns:a14="http://schemas.microsoft.com/office/drawing/2010/main" w="9525">
                 <a:solidFill>
                   <a:srgbClr val="000000"/>
                 </a:solidFill>
@@ -12083,14 +12131,14 @@
           </a:ln>
           <a:extLst>
             <a:ext uri="{909E8E84-426E-40dd-AFC4-6F175D3DCCD1}">
-              <a14:hiddenFill xmlns:a14="http://schemas.microsoft.com/office/drawing/2010/main" xmlns="">
+              <a14:hiddenFill xmlns="" xmlns:a14="http://schemas.microsoft.com/office/drawing/2010/main">
                 <a:solidFill>
                   <a:srgbClr val="FFFFFF"/>
                 </a:solidFill>
               </a14:hiddenFill>
             </a:ext>
             <a:ext uri="{91240B29-F687-4f45-9708-019B960494DF}">
-              <a14:hiddenLine xmlns:a14="http://schemas.microsoft.com/office/drawing/2010/main" xmlns="" w="9525">
+              <a14:hiddenLine xmlns="" xmlns:a14="http://schemas.microsoft.com/office/drawing/2010/main" w="9525">
                 <a:solidFill>
                   <a:srgbClr val="000000"/>
                 </a:solidFill>
@@ -12152,14 +12200,14 @@
             </a:ln>
             <a:extLst>
               <a:ext uri="{909E8E84-426E-40dd-AFC4-6F175D3DCCD1}">
-                <a14:hiddenFill xmlns:a14="http://schemas.microsoft.com/office/drawing/2010/main" xmlns="">
+                <a14:hiddenFill xmlns="" xmlns:a14="http://schemas.microsoft.com/office/drawing/2010/main">
                   <a:solidFill>
                     <a:srgbClr val="FFFFFF"/>
                   </a:solidFill>
                 </a14:hiddenFill>
               </a:ext>
               <a:ext uri="{91240B29-F687-4f45-9708-019B960494DF}">
-                <a14:hiddenLine xmlns:a14="http://schemas.microsoft.com/office/drawing/2010/main" xmlns="" w="9525">
+                <a14:hiddenLine xmlns="" xmlns:a14="http://schemas.microsoft.com/office/drawing/2010/main" w="9525">
                   <a:solidFill>
                     <a:srgbClr val="000000"/>
                   </a:solidFill>
@@ -12362,14 +12410,14 @@
             </a:ln>
             <a:extLst>
               <a:ext uri="{909E8E84-426E-40dd-AFC4-6F175D3DCCD1}">
-                <a14:hiddenFill xmlns:a14="http://schemas.microsoft.com/office/drawing/2010/main" xmlns="">
+                <a14:hiddenFill xmlns="" xmlns:a14="http://schemas.microsoft.com/office/drawing/2010/main">
                   <a:solidFill>
                     <a:srgbClr val="FFFFFF"/>
                   </a:solidFill>
                 </a14:hiddenFill>
               </a:ext>
               <a:ext uri="{91240B29-F687-4f45-9708-019B960494DF}">
-                <a14:hiddenLine xmlns:a14="http://schemas.microsoft.com/office/drawing/2010/main" xmlns="" w="9525">
+                <a14:hiddenLine xmlns="" xmlns:a14="http://schemas.microsoft.com/office/drawing/2010/main" w="9525">
                   <a:solidFill>
                     <a:srgbClr val="000000"/>
                   </a:solidFill>
@@ -12542,14 +12590,14 @@
             </a:ln>
             <a:extLst>
               <a:ext uri="{909E8E84-426E-40dd-AFC4-6F175D3DCCD1}">
-                <a14:hiddenFill xmlns:a14="http://schemas.microsoft.com/office/drawing/2010/main" xmlns="">
+                <a14:hiddenFill xmlns="" xmlns:a14="http://schemas.microsoft.com/office/drawing/2010/main">
                   <a:solidFill>
                     <a:srgbClr val="FFFFFF"/>
                   </a:solidFill>
                 </a14:hiddenFill>
               </a:ext>
               <a:ext uri="{91240B29-F687-4f45-9708-019B960494DF}">
-                <a14:hiddenLine xmlns:a14="http://schemas.microsoft.com/office/drawing/2010/main" xmlns="" w="9525">
+                <a14:hiddenLine xmlns="" xmlns:a14="http://schemas.microsoft.com/office/drawing/2010/main" w="9525">
                   <a:solidFill>
                     <a:srgbClr val="000000"/>
                   </a:solidFill>
@@ -12722,14 +12770,14 @@
             </a:ln>
             <a:extLst>
               <a:ext uri="{909E8E84-426E-40dd-AFC4-6F175D3DCCD1}">
-                <a14:hiddenFill xmlns:a14="http://schemas.microsoft.com/office/drawing/2010/main" xmlns="">
+                <a14:hiddenFill xmlns="" xmlns:a14="http://schemas.microsoft.com/office/drawing/2010/main">
                   <a:solidFill>
                     <a:srgbClr val="FFFFFF"/>
                   </a:solidFill>
                 </a14:hiddenFill>
               </a:ext>
               <a:ext uri="{91240B29-F687-4f45-9708-019B960494DF}">
-                <a14:hiddenLine xmlns:a14="http://schemas.microsoft.com/office/drawing/2010/main" xmlns="" w="9525">
+                <a14:hiddenLine xmlns="" xmlns:a14="http://schemas.microsoft.com/office/drawing/2010/main" w="9525">
                   <a:solidFill>
                     <a:srgbClr val="000000"/>
                   </a:solidFill>
@@ -12902,14 +12950,14 @@
             </a:ln>
             <a:extLst>
               <a:ext uri="{909E8E84-426E-40dd-AFC4-6F175D3DCCD1}">
-                <a14:hiddenFill xmlns:a14="http://schemas.microsoft.com/office/drawing/2010/main" xmlns="">
+                <a14:hiddenFill xmlns="" xmlns:a14="http://schemas.microsoft.com/office/drawing/2010/main">
                   <a:solidFill>
                     <a:srgbClr val="FFFFFF"/>
                   </a:solidFill>
                 </a14:hiddenFill>
               </a:ext>
               <a:ext uri="{91240B29-F687-4f45-9708-019B960494DF}">
-                <a14:hiddenLine xmlns:a14="http://schemas.microsoft.com/office/drawing/2010/main" xmlns="" w="9525">
+                <a14:hiddenLine xmlns="" xmlns:a14="http://schemas.microsoft.com/office/drawing/2010/main" w="9525">
                   <a:solidFill>
                     <a:srgbClr val="000000"/>
                   </a:solidFill>
@@ -13085,7 +13133,7 @@
           </a:ln>
           <a:extLst>
             <a:ext uri="{91240B29-F687-4f45-9708-019B960494DF}">
-              <a14:hiddenLine xmlns:a14="http://schemas.microsoft.com/office/drawing/2010/main" xmlns="" w="9525">
+              <a14:hiddenLine xmlns="" xmlns:a14="http://schemas.microsoft.com/office/drawing/2010/main" w="9525">
                 <a:solidFill>
                   <a:srgbClr val="000000"/>
                 </a:solidFill>
@@ -13302,14 +13350,14 @@
           </a:ln>
           <a:extLst>
             <a:ext uri="{909E8E84-426E-40dd-AFC4-6F175D3DCCD1}">
-              <a14:hiddenFill xmlns:a14="http://schemas.microsoft.com/office/drawing/2010/main" xmlns="">
+              <a14:hiddenFill xmlns="" xmlns:a14="http://schemas.microsoft.com/office/drawing/2010/main">
                 <a:solidFill>
                   <a:srgbClr val="FFFFFF"/>
                 </a:solidFill>
               </a14:hiddenFill>
             </a:ext>
             <a:ext uri="{91240B29-F687-4f45-9708-019B960494DF}">
-              <a14:hiddenLine xmlns:a14="http://schemas.microsoft.com/office/drawing/2010/main" xmlns="" w="9525">
+              <a14:hiddenLine xmlns="" xmlns:a14="http://schemas.microsoft.com/office/drawing/2010/main" w="9525">
                 <a:solidFill>
                   <a:srgbClr val="000000"/>
                 </a:solidFill>
@@ -13554,14 +13602,14 @@
           </a:effectLst>
           <a:extLst>
             <a:ext uri="{909E8E84-426E-40dd-AFC4-6F175D3DCCD1}">
-              <a14:hiddenFill xmlns:a14="http://schemas.microsoft.com/office/drawing/2010/main" xmlns="">
+              <a14:hiddenFill xmlns="" xmlns:a14="http://schemas.microsoft.com/office/drawing/2010/main">
                 <a:solidFill>
                   <a:srgbClr val="FFFFFF"/>
                 </a:solidFill>
               </a14:hiddenFill>
             </a:ext>
             <a:ext uri="{91240B29-F687-4f45-9708-019B960494DF}">
-              <a14:hiddenLine xmlns:a14="http://schemas.microsoft.com/office/drawing/2010/main" xmlns="" w="9525">
+              <a14:hiddenLine xmlns="" xmlns:a14="http://schemas.microsoft.com/office/drawing/2010/main" w="9525">
                 <a:solidFill>
                   <a:srgbClr val="000000"/>
                 </a:solidFill>
@@ -13918,14 +13966,14 @@
               </a:ln>
               <a:extLst>
                 <a:ext uri="{909E8E84-426E-40dd-AFC4-6F175D3DCCD1}">
-                  <a14:hiddenFill xmlns:a14="http://schemas.microsoft.com/office/drawing/2010/main" xmlns="">
+                  <a14:hiddenFill xmlns="" xmlns:a14="http://schemas.microsoft.com/office/drawing/2010/main">
                     <a:solidFill>
                       <a:srgbClr val="FFFFFF"/>
                     </a:solidFill>
                   </a14:hiddenFill>
                 </a:ext>
                 <a:ext uri="{91240B29-F687-4f45-9708-019B960494DF}">
-                  <a14:hiddenLine xmlns:a14="http://schemas.microsoft.com/office/drawing/2010/main" xmlns="" w="9525">
+                  <a14:hiddenLine xmlns="" xmlns:a14="http://schemas.microsoft.com/office/drawing/2010/main" w="9525">
                     <a:solidFill>
                       <a:srgbClr val="000000"/>
                     </a:solidFill>
@@ -14098,14 +14146,14 @@
               </a:ln>
               <a:extLst>
                 <a:ext uri="{909E8E84-426E-40dd-AFC4-6F175D3DCCD1}">
-                  <a14:hiddenFill xmlns:a14="http://schemas.microsoft.com/office/drawing/2010/main" xmlns="">
+                  <a14:hiddenFill xmlns="" xmlns:a14="http://schemas.microsoft.com/office/drawing/2010/main">
                     <a:solidFill>
                       <a:srgbClr val="FFFFFF"/>
                     </a:solidFill>
                   </a14:hiddenFill>
                 </a:ext>
                 <a:ext uri="{91240B29-F687-4f45-9708-019B960494DF}">
-                  <a14:hiddenLine xmlns:a14="http://schemas.microsoft.com/office/drawing/2010/main" xmlns="" w="9525">
+                  <a14:hiddenLine xmlns="" xmlns:a14="http://schemas.microsoft.com/office/drawing/2010/main" w="9525">
                     <a:solidFill>
                       <a:srgbClr val="000000"/>
                     </a:solidFill>
@@ -14278,14 +14326,14 @@
               </a:ln>
               <a:extLst>
                 <a:ext uri="{909E8E84-426E-40dd-AFC4-6F175D3DCCD1}">
-                  <a14:hiddenFill xmlns:a14="http://schemas.microsoft.com/office/drawing/2010/main" xmlns="">
+                  <a14:hiddenFill xmlns="" xmlns:a14="http://schemas.microsoft.com/office/drawing/2010/main">
                     <a:solidFill>
                       <a:srgbClr val="FFFFFF"/>
                     </a:solidFill>
                   </a14:hiddenFill>
                 </a:ext>
                 <a:ext uri="{91240B29-F687-4f45-9708-019B960494DF}">
-                  <a14:hiddenLine xmlns:a14="http://schemas.microsoft.com/office/drawing/2010/main" xmlns="" w="9525">
+                  <a14:hiddenLine xmlns="" xmlns:a14="http://schemas.microsoft.com/office/drawing/2010/main" w="9525">
                     <a:solidFill>
                       <a:srgbClr val="000000"/>
                     </a:solidFill>
@@ -14459,7 +14507,7 @@
             </a:ln>
             <a:extLst>
               <a:ext uri="{91240B29-F687-4f45-9708-019B960494DF}">
-                <a14:hiddenLine xmlns:a14="http://schemas.microsoft.com/office/drawing/2010/main" xmlns="" w="9525">
+                <a14:hiddenLine xmlns="" xmlns:a14="http://schemas.microsoft.com/office/drawing/2010/main" w="9525">
                   <a:solidFill>
                     <a:srgbClr val="000000"/>
                   </a:solidFill>
@@ -14626,7 +14674,7 @@
           </a:ln>
           <a:extLst>
             <a:ext uri="{91240B29-F687-4f45-9708-019B960494DF}">
-              <a14:hiddenLine xmlns:a14="http://schemas.microsoft.com/office/drawing/2010/main" xmlns="" w="9525">
+              <a14:hiddenLine xmlns="" xmlns:a14="http://schemas.microsoft.com/office/drawing/2010/main" w="9525">
                 <a:solidFill>
                   <a:srgbClr val="000000"/>
                 </a:solidFill>
@@ -14884,14 +14932,14 @@
             </a:ln>
             <a:extLst>
               <a:ext uri="{909E8E84-426E-40dd-AFC4-6F175D3DCCD1}">
-                <a14:hiddenFill xmlns:a14="http://schemas.microsoft.com/office/drawing/2010/main" xmlns="">
+                <a14:hiddenFill xmlns="" xmlns:a14="http://schemas.microsoft.com/office/drawing/2010/main">
                   <a:solidFill>
                     <a:srgbClr val="FFFFFF"/>
                   </a:solidFill>
                 </a14:hiddenFill>
               </a:ext>
               <a:ext uri="{91240B29-F687-4f45-9708-019B960494DF}">
-                <a14:hiddenLine xmlns:a14="http://schemas.microsoft.com/office/drawing/2010/main" xmlns="" w="9525">
+                <a14:hiddenLine xmlns="" xmlns:a14="http://schemas.microsoft.com/office/drawing/2010/main" w="9525">
                   <a:solidFill>
                     <a:srgbClr val="000000"/>
                   </a:solidFill>
@@ -14931,14 +14979,14 @@
             </a:ln>
             <a:extLst>
               <a:ext uri="{909E8E84-426E-40dd-AFC4-6F175D3DCCD1}">
-                <a14:hiddenFill xmlns:a14="http://schemas.microsoft.com/office/drawing/2010/main" xmlns="">
+                <a14:hiddenFill xmlns="" xmlns:a14="http://schemas.microsoft.com/office/drawing/2010/main">
                   <a:solidFill>
                     <a:srgbClr val="FFFFFF"/>
                   </a:solidFill>
                 </a14:hiddenFill>
               </a:ext>
               <a:ext uri="{91240B29-F687-4f45-9708-019B960494DF}">
-                <a14:hiddenLine xmlns:a14="http://schemas.microsoft.com/office/drawing/2010/main" xmlns="" w="9525">
+                <a14:hiddenLine xmlns="" xmlns:a14="http://schemas.microsoft.com/office/drawing/2010/main" w="9525">
                   <a:solidFill>
                     <a:srgbClr val="000000"/>
                   </a:solidFill>
@@ -15111,14 +15159,14 @@
             </a:ln>
             <a:extLst>
               <a:ext uri="{909E8E84-426E-40dd-AFC4-6F175D3DCCD1}">
-                <a14:hiddenFill xmlns:a14="http://schemas.microsoft.com/office/drawing/2010/main" xmlns="">
+                <a14:hiddenFill xmlns="" xmlns:a14="http://schemas.microsoft.com/office/drawing/2010/main">
                   <a:solidFill>
                     <a:srgbClr val="FFFFFF"/>
                   </a:solidFill>
                 </a14:hiddenFill>
               </a:ext>
               <a:ext uri="{91240B29-F687-4f45-9708-019B960494DF}">
-                <a14:hiddenLine xmlns:a14="http://schemas.microsoft.com/office/drawing/2010/main" xmlns="" w="9525">
+                <a14:hiddenLine xmlns="" xmlns:a14="http://schemas.microsoft.com/office/drawing/2010/main" w="9525">
                   <a:solidFill>
                     <a:srgbClr val="000000"/>
                   </a:solidFill>
@@ -15291,14 +15339,14 @@
             </a:ln>
             <a:extLst>
               <a:ext uri="{909E8E84-426E-40dd-AFC4-6F175D3DCCD1}">
-                <a14:hiddenFill xmlns:a14="http://schemas.microsoft.com/office/drawing/2010/main" xmlns="">
+                <a14:hiddenFill xmlns="" xmlns:a14="http://schemas.microsoft.com/office/drawing/2010/main">
                   <a:solidFill>
                     <a:srgbClr val="FFFFFF"/>
                   </a:solidFill>
                 </a14:hiddenFill>
               </a:ext>
               <a:ext uri="{91240B29-F687-4f45-9708-019B960494DF}">
-                <a14:hiddenLine xmlns:a14="http://schemas.microsoft.com/office/drawing/2010/main" xmlns="" w="9525">
+                <a14:hiddenLine xmlns="" xmlns:a14="http://schemas.microsoft.com/office/drawing/2010/main" w="9525">
                   <a:solidFill>
                     <a:srgbClr val="000000"/>
                   </a:solidFill>
@@ -15493,7 +15541,7 @@
               </a:ln>
               <a:extLst>
                 <a:ext uri="{91240B29-F687-4f45-9708-019B960494DF}">
-                  <a14:hiddenLine xmlns:a14="http://schemas.microsoft.com/office/drawing/2010/main" xmlns="" w="9525">
+                  <a14:hiddenLine xmlns="" xmlns:a14="http://schemas.microsoft.com/office/drawing/2010/main" w="9525">
                     <a:solidFill>
                       <a:srgbClr val="000000"/>
                     </a:solidFill>
@@ -15857,7 +15905,7 @@
             </a:ln>
             <a:extLst>
               <a:ext uri="{91240B29-F687-4f45-9708-019B960494DF}">
-                <a14:hiddenLine xmlns:a14="http://schemas.microsoft.com/office/drawing/2010/main" xmlns="" w="9525">
+                <a14:hiddenLine xmlns="" xmlns:a14="http://schemas.microsoft.com/office/drawing/2010/main" w="9525">
                   <a:solidFill>
                     <a:srgbClr val="000000"/>
                   </a:solidFill>
@@ -16110,14 +16158,14 @@
             </a:ln>
             <a:extLst>
               <a:ext uri="{909E8E84-426E-40dd-AFC4-6F175D3DCCD1}">
-                <a14:hiddenFill xmlns:a14="http://schemas.microsoft.com/office/drawing/2010/main" xmlns="">
+                <a14:hiddenFill xmlns="" xmlns:a14="http://schemas.microsoft.com/office/drawing/2010/main">
                   <a:solidFill>
                     <a:srgbClr val="FFFFFF"/>
                   </a:solidFill>
                 </a14:hiddenFill>
               </a:ext>
               <a:ext uri="{91240B29-F687-4f45-9708-019B960494DF}">
-                <a14:hiddenLine xmlns:a14="http://schemas.microsoft.com/office/drawing/2010/main" xmlns="" w="9525">
+                <a14:hiddenLine xmlns="" xmlns:a14="http://schemas.microsoft.com/office/drawing/2010/main" w="9525">
                   <a:solidFill>
                     <a:srgbClr val="000000"/>
                   </a:solidFill>
@@ -16157,14 +16205,14 @@
             </a:ln>
             <a:extLst>
               <a:ext uri="{909E8E84-426E-40dd-AFC4-6F175D3DCCD1}">
-                <a14:hiddenFill xmlns:a14="http://schemas.microsoft.com/office/drawing/2010/main" xmlns="">
+                <a14:hiddenFill xmlns="" xmlns:a14="http://schemas.microsoft.com/office/drawing/2010/main">
                   <a:solidFill>
                     <a:srgbClr val="FFFFFF"/>
                   </a:solidFill>
                 </a14:hiddenFill>
               </a:ext>
               <a:ext uri="{91240B29-F687-4f45-9708-019B960494DF}">
-                <a14:hiddenLine xmlns:a14="http://schemas.microsoft.com/office/drawing/2010/main" xmlns="" w="9525">
+                <a14:hiddenLine xmlns="" xmlns:a14="http://schemas.microsoft.com/office/drawing/2010/main" w="9525">
                   <a:solidFill>
                     <a:srgbClr val="000000"/>
                   </a:solidFill>
@@ -16337,14 +16385,14 @@
             </a:ln>
             <a:extLst>
               <a:ext uri="{909E8E84-426E-40dd-AFC4-6F175D3DCCD1}">
-                <a14:hiddenFill xmlns:a14="http://schemas.microsoft.com/office/drawing/2010/main" xmlns="">
+                <a14:hiddenFill xmlns="" xmlns:a14="http://schemas.microsoft.com/office/drawing/2010/main">
                   <a:solidFill>
                     <a:srgbClr val="FFFFFF"/>
                   </a:solidFill>
                 </a14:hiddenFill>
               </a:ext>
               <a:ext uri="{91240B29-F687-4f45-9708-019B960494DF}">
-                <a14:hiddenLine xmlns:a14="http://schemas.microsoft.com/office/drawing/2010/main" xmlns="" w="9525">
+                <a14:hiddenLine xmlns="" xmlns:a14="http://schemas.microsoft.com/office/drawing/2010/main" w="9525">
                   <a:solidFill>
                     <a:srgbClr val="000000"/>
                   </a:solidFill>
@@ -16517,14 +16565,14 @@
             </a:ln>
             <a:extLst>
               <a:ext uri="{909E8E84-426E-40dd-AFC4-6F175D3DCCD1}">
-                <a14:hiddenFill xmlns:a14="http://schemas.microsoft.com/office/drawing/2010/main" xmlns="">
+                <a14:hiddenFill xmlns="" xmlns:a14="http://schemas.microsoft.com/office/drawing/2010/main">
                   <a:solidFill>
                     <a:srgbClr val="FFFFFF"/>
                   </a:solidFill>
                 </a14:hiddenFill>
               </a:ext>
               <a:ext uri="{91240B29-F687-4f45-9708-019B960494DF}">
-                <a14:hiddenLine xmlns:a14="http://schemas.microsoft.com/office/drawing/2010/main" xmlns="" w="9525">
+                <a14:hiddenLine xmlns="" xmlns:a14="http://schemas.microsoft.com/office/drawing/2010/main" w="9525">
                   <a:solidFill>
                     <a:srgbClr val="000000"/>
                   </a:solidFill>
@@ -17216,14 +17264,14 @@
           </a:ln>
           <a:extLst>
             <a:ext uri="{909E8E84-426E-40dd-AFC4-6F175D3DCCD1}">
-              <a14:hiddenFill xmlns:a14="http://schemas.microsoft.com/office/drawing/2010/main" xmlns="">
+              <a14:hiddenFill xmlns="" xmlns:a14="http://schemas.microsoft.com/office/drawing/2010/main">
                 <a:solidFill>
                   <a:srgbClr val="FFFFFF"/>
                 </a:solidFill>
               </a14:hiddenFill>
             </a:ext>
             <a:ext uri="{91240B29-F687-4f45-9708-019B960494DF}">
-              <a14:hiddenLine xmlns:a14="http://schemas.microsoft.com/office/drawing/2010/main" xmlns="" w="9525">
+              <a14:hiddenLine xmlns="" xmlns:a14="http://schemas.microsoft.com/office/drawing/2010/main" w="9525">
                 <a:solidFill>
                   <a:srgbClr val="000000"/>
                 </a:solidFill>
@@ -17390,14 +17438,14 @@
           </a:ln>
           <a:extLst>
             <a:ext uri="{909E8E84-426E-40dd-AFC4-6F175D3DCCD1}">
-              <a14:hiddenFill xmlns:a14="http://schemas.microsoft.com/office/drawing/2010/main" xmlns="">
+              <a14:hiddenFill xmlns="" xmlns:a14="http://schemas.microsoft.com/office/drawing/2010/main">
                 <a:solidFill>
                   <a:srgbClr val="FFFFFF"/>
                 </a:solidFill>
               </a14:hiddenFill>
             </a:ext>
             <a:ext uri="{91240B29-F687-4f45-9708-019B960494DF}">
-              <a14:hiddenLine xmlns:a14="http://schemas.microsoft.com/office/drawing/2010/main" xmlns="" w="9525">
+              <a14:hiddenLine xmlns="" xmlns:a14="http://schemas.microsoft.com/office/drawing/2010/main" w="9525">
                 <a:solidFill>
                   <a:srgbClr val="000000"/>
                 </a:solidFill>
@@ -17638,14 +17686,14 @@
             </a:ln>
             <a:extLst>
               <a:ext uri="{909E8E84-426E-40dd-AFC4-6F175D3DCCD1}">
-                <a14:hiddenFill xmlns:a14="http://schemas.microsoft.com/office/drawing/2010/main" xmlns="">
+                <a14:hiddenFill xmlns="" xmlns:a14="http://schemas.microsoft.com/office/drawing/2010/main">
                   <a:solidFill>
                     <a:srgbClr val="FFFFFF"/>
                   </a:solidFill>
                 </a14:hiddenFill>
               </a:ext>
               <a:ext uri="{91240B29-F687-4f45-9708-019B960494DF}">
-                <a14:hiddenLine xmlns:a14="http://schemas.microsoft.com/office/drawing/2010/main" xmlns="" w="9525">
+                <a14:hiddenLine xmlns="" xmlns:a14="http://schemas.microsoft.com/office/drawing/2010/main" w="9525">
                   <a:solidFill>
                     <a:srgbClr val="000099"/>
                   </a:solidFill>
@@ -18051,14 +18099,14 @@
               </a:ln>
               <a:extLst>
                 <a:ext uri="{909E8E84-426E-40dd-AFC4-6F175D3DCCD1}">
-                  <a14:hiddenFill xmlns:a14="http://schemas.microsoft.com/office/drawing/2010/main" xmlns="">
+                  <a14:hiddenFill xmlns="" xmlns:a14="http://schemas.microsoft.com/office/drawing/2010/main">
                     <a:solidFill>
                       <a:srgbClr val="FFFFFF"/>
                     </a:solidFill>
                   </a14:hiddenFill>
                 </a:ext>
                 <a:ext uri="{91240B29-F687-4f45-9708-019B960494DF}">
-                  <a14:hiddenLine xmlns:a14="http://schemas.microsoft.com/office/drawing/2010/main" xmlns="" w="9525">
+                  <a14:hiddenLine xmlns="" xmlns:a14="http://schemas.microsoft.com/office/drawing/2010/main" w="9525">
                     <a:solidFill>
                       <a:srgbClr val="000000"/>
                     </a:solidFill>
@@ -18221,14 +18269,14 @@
               </a:ln>
               <a:extLst>
                 <a:ext uri="{909E8E84-426E-40dd-AFC4-6F175D3DCCD1}">
-                  <a14:hiddenFill xmlns:a14="http://schemas.microsoft.com/office/drawing/2010/main" xmlns="">
+                  <a14:hiddenFill xmlns="" xmlns:a14="http://schemas.microsoft.com/office/drawing/2010/main">
                     <a:solidFill>
                       <a:srgbClr val="FFFFFF"/>
                     </a:solidFill>
                   </a14:hiddenFill>
                 </a:ext>
                 <a:ext uri="{91240B29-F687-4f45-9708-019B960494DF}">
-                  <a14:hiddenLine xmlns:a14="http://schemas.microsoft.com/office/drawing/2010/main" xmlns="" w="9525">
+                  <a14:hiddenLine xmlns="" xmlns:a14="http://schemas.microsoft.com/office/drawing/2010/main" w="9525">
                     <a:solidFill>
                       <a:srgbClr val="000000"/>
                     </a:solidFill>
@@ -18391,14 +18439,14 @@
               </a:ln>
               <a:extLst>
                 <a:ext uri="{909E8E84-426E-40dd-AFC4-6F175D3DCCD1}">
-                  <a14:hiddenFill xmlns:a14="http://schemas.microsoft.com/office/drawing/2010/main" xmlns="">
+                  <a14:hiddenFill xmlns="" xmlns:a14="http://schemas.microsoft.com/office/drawing/2010/main">
                     <a:solidFill>
                       <a:srgbClr val="FFFFFF"/>
                     </a:solidFill>
                   </a14:hiddenFill>
                 </a:ext>
                 <a:ext uri="{91240B29-F687-4f45-9708-019B960494DF}">
-                  <a14:hiddenLine xmlns:a14="http://schemas.microsoft.com/office/drawing/2010/main" xmlns="" w="9525">
+                  <a14:hiddenLine xmlns="" xmlns:a14="http://schemas.microsoft.com/office/drawing/2010/main" w="9525">
                     <a:solidFill>
                       <a:srgbClr val="000000"/>
                     </a:solidFill>
@@ -18565,14 +18613,14 @@
               </a:ln>
               <a:extLst>
                 <a:ext uri="{909E8E84-426E-40dd-AFC4-6F175D3DCCD1}">
-                  <a14:hiddenFill xmlns:a14="http://schemas.microsoft.com/office/drawing/2010/main" xmlns="">
+                  <a14:hiddenFill xmlns="" xmlns:a14="http://schemas.microsoft.com/office/drawing/2010/main">
                     <a:solidFill>
                       <a:srgbClr val="FFFFFF"/>
                     </a:solidFill>
                   </a14:hiddenFill>
                 </a:ext>
                 <a:ext uri="{91240B29-F687-4f45-9708-019B960494DF}">
-                  <a14:hiddenLine xmlns:a14="http://schemas.microsoft.com/office/drawing/2010/main" xmlns="" w="9525">
+                  <a14:hiddenLine xmlns="" xmlns:a14="http://schemas.microsoft.com/office/drawing/2010/main" w="9525">
                     <a:solidFill>
                       <a:srgbClr val="000000"/>
                     </a:solidFill>
@@ -18739,14 +18787,14 @@
               </a:ln>
               <a:extLst>
                 <a:ext uri="{909E8E84-426E-40dd-AFC4-6F175D3DCCD1}">
-                  <a14:hiddenFill xmlns:a14="http://schemas.microsoft.com/office/drawing/2010/main" xmlns="">
+                  <a14:hiddenFill xmlns="" xmlns:a14="http://schemas.microsoft.com/office/drawing/2010/main">
                     <a:solidFill>
                       <a:srgbClr val="FFFFFF"/>
                     </a:solidFill>
                   </a14:hiddenFill>
                 </a:ext>
                 <a:ext uri="{91240B29-F687-4f45-9708-019B960494DF}">
-                  <a14:hiddenLine xmlns:a14="http://schemas.microsoft.com/office/drawing/2010/main" xmlns="" w="9525">
+                  <a14:hiddenLine xmlns="" xmlns:a14="http://schemas.microsoft.com/office/drawing/2010/main" w="9525">
                     <a:solidFill>
                       <a:srgbClr val="000000"/>
                     </a:solidFill>
@@ -18909,14 +18957,14 @@
               </a:ln>
               <a:extLst>
                 <a:ext uri="{909E8E84-426E-40dd-AFC4-6F175D3DCCD1}">
-                  <a14:hiddenFill xmlns:a14="http://schemas.microsoft.com/office/drawing/2010/main" xmlns="">
+                  <a14:hiddenFill xmlns="" xmlns:a14="http://schemas.microsoft.com/office/drawing/2010/main">
                     <a:solidFill>
                       <a:srgbClr val="FFFFFF"/>
                     </a:solidFill>
                   </a14:hiddenFill>
                 </a:ext>
                 <a:ext uri="{91240B29-F687-4f45-9708-019B960494DF}">
-                  <a14:hiddenLine xmlns:a14="http://schemas.microsoft.com/office/drawing/2010/main" xmlns="" w="9525">
+                  <a14:hiddenLine xmlns="" xmlns:a14="http://schemas.microsoft.com/office/drawing/2010/main" w="9525">
                     <a:solidFill>
                       <a:srgbClr val="000000"/>
                     </a:solidFill>
@@ -19123,14 +19171,14 @@
                   </a:ln>
                   <a:extLst>
                     <a:ext uri="{909E8E84-426E-40dd-AFC4-6F175D3DCCD1}">
-                      <a14:hiddenFill xmlns:a14="http://schemas.microsoft.com/office/drawing/2010/main" xmlns="">
+                      <a14:hiddenFill xmlns="" xmlns:a14="http://schemas.microsoft.com/office/drawing/2010/main">
                         <a:solidFill>
                           <a:srgbClr val="FFFFFF"/>
                         </a:solidFill>
                       </a14:hiddenFill>
                     </a:ext>
                     <a:ext uri="{91240B29-F687-4f45-9708-019B960494DF}">
-                      <a14:hiddenLine xmlns:a14="http://schemas.microsoft.com/office/drawing/2010/main" xmlns="" w="9525">
+                      <a14:hiddenLine xmlns="" xmlns:a14="http://schemas.microsoft.com/office/drawing/2010/main" w="9525">
                         <a:solidFill>
                           <a:srgbClr val="000000"/>
                         </a:solidFill>
@@ -19296,14 +19344,14 @@
                   </a:ln>
                   <a:extLst>
                     <a:ext uri="{909E8E84-426E-40dd-AFC4-6F175D3DCCD1}">
-                      <a14:hiddenFill xmlns:a14="http://schemas.microsoft.com/office/drawing/2010/main" xmlns="">
+                      <a14:hiddenFill xmlns="" xmlns:a14="http://schemas.microsoft.com/office/drawing/2010/main">
                         <a:solidFill>
                           <a:srgbClr val="FFFFFF"/>
                         </a:solidFill>
                       </a14:hiddenFill>
                     </a:ext>
                     <a:ext uri="{91240B29-F687-4f45-9708-019B960494DF}">
-                      <a14:hiddenLine xmlns:a14="http://schemas.microsoft.com/office/drawing/2010/main" xmlns="" w="9525">
+                      <a14:hiddenLine xmlns="" xmlns:a14="http://schemas.microsoft.com/office/drawing/2010/main" w="9525">
                         <a:solidFill>
                           <a:srgbClr val="000000"/>
                         </a:solidFill>
@@ -19476,14 +19524,14 @@
                   </a:ln>
                   <a:extLst>
                     <a:ext uri="{909E8E84-426E-40dd-AFC4-6F175D3DCCD1}">
-                      <a14:hiddenFill xmlns:a14="http://schemas.microsoft.com/office/drawing/2010/main" xmlns="">
+                      <a14:hiddenFill xmlns="" xmlns:a14="http://schemas.microsoft.com/office/drawing/2010/main">
                         <a:solidFill>
                           <a:srgbClr val="FFFFFF"/>
                         </a:solidFill>
                       </a14:hiddenFill>
                     </a:ext>
                     <a:ext uri="{91240B29-F687-4f45-9708-019B960494DF}">
-                      <a14:hiddenLine xmlns:a14="http://schemas.microsoft.com/office/drawing/2010/main" xmlns="" w="9525">
+                      <a14:hiddenLine xmlns="" xmlns:a14="http://schemas.microsoft.com/office/drawing/2010/main" w="9525">
                         <a:solidFill>
                           <a:srgbClr val="000000"/>
                         </a:solidFill>
@@ -19657,14 +19705,14 @@
                 </a:ln>
                 <a:extLst>
                   <a:ext uri="{909E8E84-426E-40dd-AFC4-6F175D3DCCD1}">
-                    <a14:hiddenFill xmlns:a14="http://schemas.microsoft.com/office/drawing/2010/main" xmlns="">
+                    <a14:hiddenFill xmlns="" xmlns:a14="http://schemas.microsoft.com/office/drawing/2010/main">
                       <a:solidFill>
                         <a:srgbClr val="FFFFFF"/>
                       </a:solidFill>
                     </a14:hiddenFill>
                   </a:ext>
                   <a:ext uri="{91240B29-F687-4f45-9708-019B960494DF}">
-                    <a14:hiddenLine xmlns:a14="http://schemas.microsoft.com/office/drawing/2010/main" xmlns="" w="9525">
+                    <a14:hiddenLine xmlns="" xmlns:a14="http://schemas.microsoft.com/office/drawing/2010/main" w="9525">
                       <a:solidFill>
                         <a:srgbClr val="000000"/>
                       </a:solidFill>
@@ -19830,14 +19878,14 @@
                 </a:ln>
                 <a:extLst>
                   <a:ext uri="{909E8E84-426E-40dd-AFC4-6F175D3DCCD1}">
-                    <a14:hiddenFill xmlns:a14="http://schemas.microsoft.com/office/drawing/2010/main" xmlns="">
+                    <a14:hiddenFill xmlns="" xmlns:a14="http://schemas.microsoft.com/office/drawing/2010/main">
                       <a:solidFill>
                         <a:srgbClr val="FFFFFF"/>
                       </a:solidFill>
                     </a14:hiddenFill>
                   </a:ext>
                   <a:ext uri="{91240B29-F687-4f45-9708-019B960494DF}">
-                    <a14:hiddenLine xmlns:a14="http://schemas.microsoft.com/office/drawing/2010/main" xmlns="" w="9525">
+                    <a14:hiddenLine xmlns="" xmlns:a14="http://schemas.microsoft.com/office/drawing/2010/main" w="9525">
                       <a:solidFill>
                         <a:srgbClr val="000000"/>
                       </a:solidFill>
@@ -20026,14 +20074,14 @@
             </a:ln>
             <a:extLst>
               <a:ext uri="{909E8E84-426E-40dd-AFC4-6F175D3DCCD1}">
-                <a14:hiddenFill xmlns:a14="http://schemas.microsoft.com/office/drawing/2010/main" xmlns="">
+                <a14:hiddenFill xmlns="" xmlns:a14="http://schemas.microsoft.com/office/drawing/2010/main">
                   <a:solidFill>
                     <a:srgbClr val="FFFFFF"/>
                   </a:solidFill>
                 </a14:hiddenFill>
               </a:ext>
               <a:ext uri="{91240B29-F687-4f45-9708-019B960494DF}">
-                <a14:hiddenLine xmlns:a14="http://schemas.microsoft.com/office/drawing/2010/main" xmlns="" w="9525">
+                <a14:hiddenLine xmlns="" xmlns:a14="http://schemas.microsoft.com/office/drawing/2010/main" w="9525">
                   <a:solidFill>
                     <a:srgbClr val="000000"/>
                   </a:solidFill>
@@ -20096,14 +20144,14 @@
             </a:ln>
             <a:extLst>
               <a:ext uri="{909E8E84-426E-40dd-AFC4-6F175D3DCCD1}">
-                <a14:hiddenFill xmlns:a14="http://schemas.microsoft.com/office/drawing/2010/main" xmlns="">
+                <a14:hiddenFill xmlns="" xmlns:a14="http://schemas.microsoft.com/office/drawing/2010/main">
                   <a:solidFill>
                     <a:srgbClr val="FFFFFF"/>
                   </a:solidFill>
                 </a14:hiddenFill>
               </a:ext>
               <a:ext uri="{91240B29-F687-4f45-9708-019B960494DF}">
-                <a14:hiddenLine xmlns:a14="http://schemas.microsoft.com/office/drawing/2010/main" xmlns="" w="9525">
+                <a14:hiddenLine xmlns="" xmlns:a14="http://schemas.microsoft.com/office/drawing/2010/main" w="9525">
                   <a:solidFill>
                     <a:srgbClr val="000000"/>
                   </a:solidFill>
@@ -20266,14 +20314,14 @@
             </a:ln>
             <a:extLst>
               <a:ext uri="{909E8E84-426E-40dd-AFC4-6F175D3DCCD1}">
-                <a14:hiddenFill xmlns:a14="http://schemas.microsoft.com/office/drawing/2010/main" xmlns="">
+                <a14:hiddenFill xmlns="" xmlns:a14="http://schemas.microsoft.com/office/drawing/2010/main">
                   <a:solidFill>
                     <a:srgbClr val="FFFFFF"/>
                   </a:solidFill>
                 </a14:hiddenFill>
               </a:ext>
               <a:ext uri="{91240B29-F687-4f45-9708-019B960494DF}">
-                <a14:hiddenLine xmlns:a14="http://schemas.microsoft.com/office/drawing/2010/main" xmlns="" w="9525">
+                <a14:hiddenLine xmlns="" xmlns:a14="http://schemas.microsoft.com/office/drawing/2010/main" w="9525">
                   <a:solidFill>
                     <a:srgbClr val="000000"/>
                   </a:solidFill>
@@ -20505,14 +20553,14 @@
               </a:ln>
               <a:extLst>
                 <a:ext uri="{909E8E84-426E-40dd-AFC4-6F175D3DCCD1}">
-                  <a14:hiddenFill xmlns:a14="http://schemas.microsoft.com/office/drawing/2010/main" xmlns="">
+                  <a14:hiddenFill xmlns="" xmlns:a14="http://schemas.microsoft.com/office/drawing/2010/main">
                     <a:solidFill>
                       <a:srgbClr val="FFFFFF"/>
                     </a:solidFill>
                   </a14:hiddenFill>
                 </a:ext>
                 <a:ext uri="{91240B29-F687-4f45-9708-019B960494DF}">
-                  <a14:hiddenLine xmlns:a14="http://schemas.microsoft.com/office/drawing/2010/main" xmlns="" w="9525">
+                  <a14:hiddenLine xmlns="" xmlns:a14="http://schemas.microsoft.com/office/drawing/2010/main" w="9525">
                     <a:solidFill>
                       <a:srgbClr val="000099"/>
                     </a:solidFill>
@@ -20686,14 +20734,14 @@
             </a:ln>
             <a:extLst>
               <a:ext uri="{909E8E84-426E-40dd-AFC4-6F175D3DCCD1}">
-                <a14:hiddenFill xmlns:a14="http://schemas.microsoft.com/office/drawing/2010/main" xmlns="">
+                <a14:hiddenFill xmlns="" xmlns:a14="http://schemas.microsoft.com/office/drawing/2010/main">
                   <a:solidFill>
                     <a:srgbClr val="FFFFFF"/>
                   </a:solidFill>
                 </a14:hiddenFill>
               </a:ext>
               <a:ext uri="{91240B29-F687-4f45-9708-019B960494DF}">
-                <a14:hiddenLine xmlns:a14="http://schemas.microsoft.com/office/drawing/2010/main" xmlns="" w="9525">
+                <a14:hiddenLine xmlns="" xmlns:a14="http://schemas.microsoft.com/office/drawing/2010/main" w="9525">
                   <a:solidFill>
                     <a:srgbClr val="000000"/>
                   </a:solidFill>
@@ -20856,14 +20904,14 @@
             </a:ln>
             <a:extLst>
               <a:ext uri="{909E8E84-426E-40dd-AFC4-6F175D3DCCD1}">
-                <a14:hiddenFill xmlns:a14="http://schemas.microsoft.com/office/drawing/2010/main" xmlns="">
+                <a14:hiddenFill xmlns="" xmlns:a14="http://schemas.microsoft.com/office/drawing/2010/main">
                   <a:solidFill>
                     <a:srgbClr val="FFFFFF"/>
                   </a:solidFill>
                 </a14:hiddenFill>
               </a:ext>
               <a:ext uri="{91240B29-F687-4f45-9708-019B960494DF}">
-                <a14:hiddenLine xmlns:a14="http://schemas.microsoft.com/office/drawing/2010/main" xmlns="" w="9525">
+                <a14:hiddenLine xmlns="" xmlns:a14="http://schemas.microsoft.com/office/drawing/2010/main" w="9525">
                   <a:solidFill>
                     <a:srgbClr val="000000"/>
                   </a:solidFill>
@@ -22789,14 +22837,14 @@
           </a:ln>
           <a:extLst>
             <a:ext uri="{909E8E84-426E-40dd-AFC4-6F175D3DCCD1}">
-              <a14:hiddenFill xmlns:a14="http://schemas.microsoft.com/office/drawing/2010/main" xmlns="">
+              <a14:hiddenFill xmlns="" xmlns:a14="http://schemas.microsoft.com/office/drawing/2010/main">
                 <a:solidFill>
                   <a:srgbClr val="FFFFFF"/>
                 </a:solidFill>
               </a14:hiddenFill>
             </a:ext>
             <a:ext uri="{91240B29-F687-4f45-9708-019B960494DF}">
-              <a14:hiddenLine xmlns:a14="http://schemas.microsoft.com/office/drawing/2010/main" xmlns="" w="9525">
+              <a14:hiddenLine xmlns="" xmlns:a14="http://schemas.microsoft.com/office/drawing/2010/main" w="9525">
                 <a:solidFill>
                   <a:srgbClr val="000000"/>
                 </a:solidFill>
@@ -22978,14 +23026,14 @@
           </a:ln>
           <a:extLst>
             <a:ext uri="{909E8E84-426E-40dd-AFC4-6F175D3DCCD1}">
-              <a14:hiddenFill xmlns:a14="http://schemas.microsoft.com/office/drawing/2010/main" xmlns="">
+              <a14:hiddenFill xmlns="" xmlns:a14="http://schemas.microsoft.com/office/drawing/2010/main">
                 <a:solidFill>
                   <a:srgbClr val="FFFFFF"/>
                 </a:solidFill>
               </a14:hiddenFill>
             </a:ext>
             <a:ext uri="{91240B29-F687-4f45-9708-019B960494DF}">
-              <a14:hiddenLine xmlns:a14="http://schemas.microsoft.com/office/drawing/2010/main" xmlns="" w="9525">
+              <a14:hiddenLine xmlns="" xmlns:a14="http://schemas.microsoft.com/office/drawing/2010/main" w="9525">
                 <a:solidFill>
                   <a:srgbClr val="000000"/>
                 </a:solidFill>
@@ -23176,14 +23224,14 @@
           </a:ln>
           <a:extLst>
             <a:ext uri="{909E8E84-426E-40dd-AFC4-6F175D3DCCD1}">
-              <a14:hiddenFill xmlns:a14="http://schemas.microsoft.com/office/drawing/2010/main" xmlns="">
+              <a14:hiddenFill xmlns="" xmlns:a14="http://schemas.microsoft.com/office/drawing/2010/main">
                 <a:solidFill>
                   <a:srgbClr val="FFFFFF"/>
                 </a:solidFill>
               </a14:hiddenFill>
             </a:ext>
             <a:ext uri="{91240B29-F687-4f45-9708-019B960494DF}">
-              <a14:hiddenLine xmlns:a14="http://schemas.microsoft.com/office/drawing/2010/main" xmlns="" w="9525">
+              <a14:hiddenLine xmlns="" xmlns:a14="http://schemas.microsoft.com/office/drawing/2010/main" w="9525">
                 <a:solidFill>
                   <a:srgbClr val="000000"/>
                 </a:solidFill>
@@ -23408,14 +23456,14 @@
           </a:ln>
           <a:extLst>
             <a:ext uri="{909E8E84-426E-40dd-AFC4-6F175D3DCCD1}">
-              <a14:hiddenFill xmlns:a14="http://schemas.microsoft.com/office/drawing/2010/main" xmlns="">
+              <a14:hiddenFill xmlns="" xmlns:a14="http://schemas.microsoft.com/office/drawing/2010/main">
                 <a:solidFill>
                   <a:srgbClr val="FFFFFF"/>
                 </a:solidFill>
               </a14:hiddenFill>
             </a:ext>
             <a:ext uri="{91240B29-F687-4f45-9708-019B960494DF}">
-              <a14:hiddenLine xmlns:a14="http://schemas.microsoft.com/office/drawing/2010/main" xmlns="" w="9525">
+              <a14:hiddenLine xmlns="" xmlns:a14="http://schemas.microsoft.com/office/drawing/2010/main" w="9525">
                 <a:solidFill>
                   <a:srgbClr val="000000"/>
                 </a:solidFill>
@@ -23649,14 +23697,14 @@
           </a:ln>
           <a:extLst>
             <a:ext uri="{909E8E84-426E-40dd-AFC4-6F175D3DCCD1}">
-              <a14:hiddenFill xmlns:a14="http://schemas.microsoft.com/office/drawing/2010/main" xmlns="">
+              <a14:hiddenFill xmlns="" xmlns:a14="http://schemas.microsoft.com/office/drawing/2010/main">
                 <a:solidFill>
                   <a:srgbClr val="FFFFFF"/>
                 </a:solidFill>
               </a14:hiddenFill>
             </a:ext>
             <a:ext uri="{91240B29-F687-4f45-9708-019B960494DF}">
-              <a14:hiddenLine xmlns:a14="http://schemas.microsoft.com/office/drawing/2010/main" xmlns="" w="9525">
+              <a14:hiddenLine xmlns="" xmlns:a14="http://schemas.microsoft.com/office/drawing/2010/main" w="9525">
                 <a:solidFill>
                   <a:srgbClr val="000000"/>
                 </a:solidFill>
@@ -23926,14 +23974,14 @@
             </a:ln>
             <a:extLst>
               <a:ext uri="{909E8E84-426E-40dd-AFC4-6F175D3DCCD1}">
-                <a14:hiddenFill xmlns:a14="http://schemas.microsoft.com/office/drawing/2010/main" xmlns="">
+                <a14:hiddenFill xmlns="" xmlns:a14="http://schemas.microsoft.com/office/drawing/2010/main">
                   <a:solidFill>
                     <a:srgbClr val="FFFFFF"/>
                   </a:solidFill>
                 </a14:hiddenFill>
               </a:ext>
               <a:ext uri="{91240B29-F687-4f45-9708-019B960494DF}">
-                <a14:hiddenLine xmlns:a14="http://schemas.microsoft.com/office/drawing/2010/main" xmlns="" w="9525">
+                <a14:hiddenLine xmlns="" xmlns:a14="http://schemas.microsoft.com/office/drawing/2010/main" w="9525">
                   <a:solidFill>
                     <a:srgbClr val="000000"/>
                   </a:solidFill>
@@ -24109,14 +24157,14 @@
             </a:ln>
             <a:extLst>
               <a:ext uri="{909E8E84-426E-40dd-AFC4-6F175D3DCCD1}">
-                <a14:hiddenFill xmlns:a14="http://schemas.microsoft.com/office/drawing/2010/main" xmlns="">
+                <a14:hiddenFill xmlns="" xmlns:a14="http://schemas.microsoft.com/office/drawing/2010/main">
                   <a:solidFill>
                     <a:srgbClr val="FFFFFF"/>
                   </a:solidFill>
                 </a14:hiddenFill>
               </a:ext>
               <a:ext uri="{91240B29-F687-4f45-9708-019B960494DF}">
-                <a14:hiddenLine xmlns:a14="http://schemas.microsoft.com/office/drawing/2010/main" xmlns="" w="9525">
+                <a14:hiddenLine xmlns="" xmlns:a14="http://schemas.microsoft.com/office/drawing/2010/main" w="9525">
                   <a:solidFill>
                     <a:srgbClr val="000000"/>
                   </a:solidFill>
@@ -24282,14 +24330,14 @@
             </a:ln>
             <a:extLst>
               <a:ext uri="{909E8E84-426E-40dd-AFC4-6F175D3DCCD1}">
-                <a14:hiddenFill xmlns:a14="http://schemas.microsoft.com/office/drawing/2010/main" xmlns="">
+                <a14:hiddenFill xmlns="" xmlns:a14="http://schemas.microsoft.com/office/drawing/2010/main">
                   <a:solidFill>
                     <a:srgbClr val="FFFFFF"/>
                   </a:solidFill>
                 </a14:hiddenFill>
               </a:ext>
               <a:ext uri="{91240B29-F687-4f45-9708-019B960494DF}">
-                <a14:hiddenLine xmlns:a14="http://schemas.microsoft.com/office/drawing/2010/main" xmlns="" w="9525">
+                <a14:hiddenLine xmlns="" xmlns:a14="http://schemas.microsoft.com/office/drawing/2010/main" w="9525">
                   <a:solidFill>
                     <a:srgbClr val="000000"/>
                   </a:solidFill>
@@ -24478,14 +24526,14 @@
             </a:ln>
             <a:extLst>
               <a:ext uri="{909E8E84-426E-40dd-AFC4-6F175D3DCCD1}">
-                <a14:hiddenFill xmlns:a14="http://schemas.microsoft.com/office/drawing/2010/main" xmlns="">
+                <a14:hiddenFill xmlns="" xmlns:a14="http://schemas.microsoft.com/office/drawing/2010/main">
                   <a:solidFill>
                     <a:srgbClr val="FFFFFF"/>
                   </a:solidFill>
                 </a14:hiddenFill>
               </a:ext>
               <a:ext uri="{91240B29-F687-4f45-9708-019B960494DF}">
-                <a14:hiddenLine xmlns:a14="http://schemas.microsoft.com/office/drawing/2010/main" xmlns="" w="9525">
+                <a14:hiddenLine xmlns="" xmlns:a14="http://schemas.microsoft.com/office/drawing/2010/main" w="9525">
                   <a:solidFill>
                     <a:srgbClr val="000000"/>
                   </a:solidFill>
@@ -24661,14 +24709,14 @@
             </a:ln>
             <a:extLst>
               <a:ext uri="{909E8E84-426E-40dd-AFC4-6F175D3DCCD1}">
-                <a14:hiddenFill xmlns:a14="http://schemas.microsoft.com/office/drawing/2010/main" xmlns="">
+                <a14:hiddenFill xmlns="" xmlns:a14="http://schemas.microsoft.com/office/drawing/2010/main">
                   <a:solidFill>
                     <a:srgbClr val="FFFFFF"/>
                   </a:solidFill>
                 </a14:hiddenFill>
               </a:ext>
               <a:ext uri="{91240B29-F687-4f45-9708-019B960494DF}">
-                <a14:hiddenLine xmlns:a14="http://schemas.microsoft.com/office/drawing/2010/main" xmlns="" w="9525">
+                <a14:hiddenLine xmlns="" xmlns:a14="http://schemas.microsoft.com/office/drawing/2010/main" w="9525">
                   <a:solidFill>
                     <a:srgbClr val="000000"/>
                   </a:solidFill>
@@ -24834,14 +24882,14 @@
             </a:ln>
             <a:extLst>
               <a:ext uri="{909E8E84-426E-40dd-AFC4-6F175D3DCCD1}">
-                <a14:hiddenFill xmlns:a14="http://schemas.microsoft.com/office/drawing/2010/main" xmlns="">
+                <a14:hiddenFill xmlns="" xmlns:a14="http://schemas.microsoft.com/office/drawing/2010/main">
                   <a:solidFill>
                     <a:srgbClr val="FFFFFF"/>
                   </a:solidFill>
                 </a14:hiddenFill>
               </a:ext>
               <a:ext uri="{91240B29-F687-4f45-9708-019B960494DF}">
-                <a14:hiddenLine xmlns:a14="http://schemas.microsoft.com/office/drawing/2010/main" xmlns="" w="9525">
+                <a14:hiddenLine xmlns="" xmlns:a14="http://schemas.microsoft.com/office/drawing/2010/main" w="9525">
                   <a:solidFill>
                     <a:srgbClr val="000000"/>
                   </a:solidFill>
@@ -25016,7 +25064,7 @@
           </a:ln>
           <a:extLst>
             <a:ext uri="{909E8E84-426E-40dd-AFC4-6F175D3DCCD1}">
-              <a14:hiddenFill xmlns:a14="http://schemas.microsoft.com/office/drawing/2010/main" xmlns="">
+              <a14:hiddenFill xmlns="" xmlns:a14="http://schemas.microsoft.com/office/drawing/2010/main">
                 <a:solidFill>
                   <a:srgbClr val="FFFFFF"/>
                 </a:solidFill>
@@ -25068,7 +25116,7 @@
           </a:ln>
           <a:extLst>
             <a:ext uri="{909E8E84-426E-40dd-AFC4-6F175D3DCCD1}">
-              <a14:hiddenFill xmlns:a14="http://schemas.microsoft.com/office/drawing/2010/main" xmlns="">
+              <a14:hiddenFill xmlns="" xmlns:a14="http://schemas.microsoft.com/office/drawing/2010/main">
                 <a:solidFill>
                   <a:srgbClr val="FFFFFF"/>
                 </a:solidFill>
@@ -25233,14 +25281,14 @@
           </a:ln>
           <a:extLst>
             <a:ext uri="{909E8E84-426E-40dd-AFC4-6F175D3DCCD1}">
-              <a14:hiddenFill xmlns:a14="http://schemas.microsoft.com/office/drawing/2010/main" xmlns="">
+              <a14:hiddenFill xmlns="" xmlns:a14="http://schemas.microsoft.com/office/drawing/2010/main">
                 <a:solidFill>
                   <a:srgbClr val="FFFFFF"/>
                 </a:solidFill>
               </a14:hiddenFill>
             </a:ext>
             <a:ext uri="{91240B29-F687-4f45-9708-019B960494DF}">
-              <a14:hiddenLine xmlns:a14="http://schemas.microsoft.com/office/drawing/2010/main" xmlns="" w="9525">
+              <a14:hiddenLine xmlns="" xmlns:a14="http://schemas.microsoft.com/office/drawing/2010/main" w="9525">
                 <a:solidFill>
                   <a:srgbClr val="000000"/>
                 </a:solidFill>
@@ -25479,14 +25527,14 @@
             </a:ln>
             <a:extLst>
               <a:ext uri="{909E8E84-426E-40dd-AFC4-6F175D3DCCD1}">
-                <a14:hiddenFill xmlns:a14="http://schemas.microsoft.com/office/drawing/2010/main" xmlns="">
+                <a14:hiddenFill xmlns="" xmlns:a14="http://schemas.microsoft.com/office/drawing/2010/main">
                   <a:solidFill>
                     <a:srgbClr val="FFFFFF"/>
                   </a:solidFill>
                 </a14:hiddenFill>
               </a:ext>
               <a:ext uri="{91240B29-F687-4f45-9708-019B960494DF}">
-                <a14:hiddenLine xmlns:a14="http://schemas.microsoft.com/office/drawing/2010/main" xmlns="" w="9525">
+                <a14:hiddenLine xmlns="" xmlns:a14="http://schemas.microsoft.com/office/drawing/2010/main" w="9525">
                   <a:solidFill>
                     <a:srgbClr val="000000"/>
                   </a:solidFill>
@@ -25707,14 +25755,14 @@
               </a:ln>
               <a:extLst>
                 <a:ext uri="{909E8E84-426E-40dd-AFC4-6F175D3DCCD1}">
-                  <a14:hiddenFill xmlns:a14="http://schemas.microsoft.com/office/drawing/2010/main" xmlns="">
+                  <a14:hiddenFill xmlns="" xmlns:a14="http://schemas.microsoft.com/office/drawing/2010/main">
                     <a:solidFill>
                       <a:srgbClr val="FFFFFF"/>
                     </a:solidFill>
                   </a14:hiddenFill>
                 </a:ext>
                 <a:ext uri="{91240B29-F687-4f45-9708-019B960494DF}">
-                  <a14:hiddenLine xmlns:a14="http://schemas.microsoft.com/office/drawing/2010/main" xmlns="" w="9525">
+                  <a14:hiddenLine xmlns="" xmlns:a14="http://schemas.microsoft.com/office/drawing/2010/main" w="9525">
                     <a:solidFill>
                       <a:srgbClr val="000000"/>
                     </a:solidFill>
@@ -25904,14 +25952,14 @@
               </a:ln>
               <a:extLst>
                 <a:ext uri="{909E8E84-426E-40dd-AFC4-6F175D3DCCD1}">
-                  <a14:hiddenFill xmlns:a14="http://schemas.microsoft.com/office/drawing/2010/main" xmlns="">
+                  <a14:hiddenFill xmlns="" xmlns:a14="http://schemas.microsoft.com/office/drawing/2010/main">
                     <a:solidFill>
                       <a:srgbClr val="FFFFFF"/>
                     </a:solidFill>
                   </a14:hiddenFill>
                 </a:ext>
                 <a:ext uri="{91240B29-F687-4f45-9708-019B960494DF}">
-                  <a14:hiddenLine xmlns:a14="http://schemas.microsoft.com/office/drawing/2010/main" xmlns="" w="9525">
+                  <a14:hiddenLine xmlns="" xmlns:a14="http://schemas.microsoft.com/office/drawing/2010/main" w="9525">
                     <a:solidFill>
                       <a:srgbClr val="000000"/>
                     </a:solidFill>
@@ -26106,14 +26154,14 @@
               </a:ln>
               <a:extLst>
                 <a:ext uri="{909E8E84-426E-40dd-AFC4-6F175D3DCCD1}">
-                  <a14:hiddenFill xmlns:a14="http://schemas.microsoft.com/office/drawing/2010/main" xmlns="">
+                  <a14:hiddenFill xmlns="" xmlns:a14="http://schemas.microsoft.com/office/drawing/2010/main">
                     <a:solidFill>
                       <a:srgbClr val="FFFFFF"/>
                     </a:solidFill>
                   </a14:hiddenFill>
                 </a:ext>
                 <a:ext uri="{91240B29-F687-4f45-9708-019B960494DF}">
-                  <a14:hiddenLine xmlns:a14="http://schemas.microsoft.com/office/drawing/2010/main" xmlns="" w="9525">
+                  <a14:hiddenLine xmlns="" xmlns:a14="http://schemas.microsoft.com/office/drawing/2010/main" w="9525">
                     <a:solidFill>
                       <a:srgbClr val="000000"/>
                     </a:solidFill>
@@ -26282,14 +26330,14 @@
               </a:ln>
               <a:extLst>
                 <a:ext uri="{909E8E84-426E-40dd-AFC4-6F175D3DCCD1}">
-                  <a14:hiddenFill xmlns:a14="http://schemas.microsoft.com/office/drawing/2010/main" xmlns="">
+                  <a14:hiddenFill xmlns="" xmlns:a14="http://schemas.microsoft.com/office/drawing/2010/main">
                     <a:solidFill>
                       <a:srgbClr val="FFFFFF"/>
                     </a:solidFill>
                   </a14:hiddenFill>
                 </a:ext>
                 <a:ext uri="{91240B29-F687-4f45-9708-019B960494DF}">
-                  <a14:hiddenLine xmlns:a14="http://schemas.microsoft.com/office/drawing/2010/main" xmlns="" w="9525">
+                  <a14:hiddenLine xmlns="" xmlns:a14="http://schemas.microsoft.com/office/drawing/2010/main" w="9525">
                     <a:solidFill>
                       <a:srgbClr val="000000"/>
                     </a:solidFill>
@@ -26460,14 +26508,14 @@
           </a:ln>
           <a:extLst>
             <a:ext uri="{909E8E84-426E-40dd-AFC4-6F175D3DCCD1}">
-              <a14:hiddenFill xmlns:a14="http://schemas.microsoft.com/office/drawing/2010/main" xmlns="">
+              <a14:hiddenFill xmlns="" xmlns:a14="http://schemas.microsoft.com/office/drawing/2010/main">
                 <a:solidFill>
                   <a:srgbClr val="FFFFFF"/>
                 </a:solidFill>
               </a14:hiddenFill>
             </a:ext>
             <a:ext uri="{91240B29-F687-4f45-9708-019B960494DF}">
-              <a14:hiddenLine xmlns:a14="http://schemas.microsoft.com/office/drawing/2010/main" xmlns="" w="9525">
+              <a14:hiddenLine xmlns="" xmlns:a14="http://schemas.microsoft.com/office/drawing/2010/main" w="9525">
                 <a:solidFill>
                   <a:srgbClr val="000000"/>
                 </a:solidFill>
@@ -26688,14 +26736,14 @@
             </a:ln>
             <a:extLst>
               <a:ext uri="{909E8E84-426E-40dd-AFC4-6F175D3DCCD1}">
-                <a14:hiddenFill xmlns:a14="http://schemas.microsoft.com/office/drawing/2010/main" xmlns="">
+                <a14:hiddenFill xmlns="" xmlns:a14="http://schemas.microsoft.com/office/drawing/2010/main">
                   <a:solidFill>
                     <a:srgbClr val="FFFFFF"/>
                   </a:solidFill>
                 </a14:hiddenFill>
               </a:ext>
               <a:ext uri="{91240B29-F687-4f45-9708-019B960494DF}">
-                <a14:hiddenLine xmlns:a14="http://schemas.microsoft.com/office/drawing/2010/main" xmlns="" w="9525">
+                <a14:hiddenLine xmlns="" xmlns:a14="http://schemas.microsoft.com/office/drawing/2010/main" w="9525">
                   <a:solidFill>
                     <a:srgbClr val="000000"/>
                   </a:solidFill>
@@ -26885,14 +26933,14 @@
             </a:ln>
             <a:extLst>
               <a:ext uri="{909E8E84-426E-40dd-AFC4-6F175D3DCCD1}">
-                <a14:hiddenFill xmlns:a14="http://schemas.microsoft.com/office/drawing/2010/main" xmlns="">
+                <a14:hiddenFill xmlns="" xmlns:a14="http://schemas.microsoft.com/office/drawing/2010/main">
                   <a:solidFill>
                     <a:srgbClr val="FFFFFF"/>
                   </a:solidFill>
                 </a14:hiddenFill>
               </a:ext>
               <a:ext uri="{91240B29-F687-4f45-9708-019B960494DF}">
-                <a14:hiddenLine xmlns:a14="http://schemas.microsoft.com/office/drawing/2010/main" xmlns="" w="9525">
+                <a14:hiddenLine xmlns="" xmlns:a14="http://schemas.microsoft.com/office/drawing/2010/main" w="9525">
                   <a:solidFill>
                     <a:srgbClr val="000000"/>
                   </a:solidFill>
@@ -27087,14 +27135,14 @@
             </a:ln>
             <a:extLst>
               <a:ext uri="{909E8E84-426E-40dd-AFC4-6F175D3DCCD1}">
-                <a14:hiddenFill xmlns:a14="http://schemas.microsoft.com/office/drawing/2010/main" xmlns="">
+                <a14:hiddenFill xmlns="" xmlns:a14="http://schemas.microsoft.com/office/drawing/2010/main">
                   <a:solidFill>
                     <a:srgbClr val="FFFFFF"/>
                   </a:solidFill>
                 </a14:hiddenFill>
               </a:ext>
               <a:ext uri="{91240B29-F687-4f45-9708-019B960494DF}">
-                <a14:hiddenLine xmlns:a14="http://schemas.microsoft.com/office/drawing/2010/main" xmlns="" w="9525">
+                <a14:hiddenLine xmlns="" xmlns:a14="http://schemas.microsoft.com/office/drawing/2010/main" w="9525">
                   <a:solidFill>
                     <a:srgbClr val="000000"/>
                   </a:solidFill>
@@ -27287,14 +27335,14 @@
             </a:ln>
             <a:extLst>
               <a:ext uri="{909E8E84-426E-40dd-AFC4-6F175D3DCCD1}">
-                <a14:hiddenFill xmlns:a14="http://schemas.microsoft.com/office/drawing/2010/main" xmlns="">
+                <a14:hiddenFill xmlns="" xmlns:a14="http://schemas.microsoft.com/office/drawing/2010/main">
                   <a:solidFill>
                     <a:srgbClr val="FFFFFF"/>
                   </a:solidFill>
                 </a14:hiddenFill>
               </a:ext>
               <a:ext uri="{91240B29-F687-4f45-9708-019B960494DF}">
-                <a14:hiddenLine xmlns:a14="http://schemas.microsoft.com/office/drawing/2010/main" xmlns="" w="9525">
+                <a14:hiddenLine xmlns="" xmlns:a14="http://schemas.microsoft.com/office/drawing/2010/main" w="9525">
                   <a:solidFill>
                     <a:srgbClr val="000000"/>
                   </a:solidFill>
@@ -27467,14 +27515,14 @@
             </a:ln>
             <a:extLst>
               <a:ext uri="{909E8E84-426E-40dd-AFC4-6F175D3DCCD1}">
-                <a14:hiddenFill xmlns:a14="http://schemas.microsoft.com/office/drawing/2010/main" xmlns="">
+                <a14:hiddenFill xmlns="" xmlns:a14="http://schemas.microsoft.com/office/drawing/2010/main">
                   <a:solidFill>
                     <a:srgbClr val="FFFFFF"/>
                   </a:solidFill>
                 </a14:hiddenFill>
               </a:ext>
               <a:ext uri="{91240B29-F687-4f45-9708-019B960494DF}">
-                <a14:hiddenLine xmlns:a14="http://schemas.microsoft.com/office/drawing/2010/main" xmlns="" w="9525">
+                <a14:hiddenLine xmlns="" xmlns:a14="http://schemas.microsoft.com/office/drawing/2010/main" w="9525">
                   <a:solidFill>
                     <a:srgbClr val="000000"/>
                   </a:solidFill>
@@ -27667,14 +27715,14 @@
             </a:ln>
             <a:extLst>
               <a:ext uri="{909E8E84-426E-40dd-AFC4-6F175D3DCCD1}">
-                <a14:hiddenFill xmlns:a14="http://schemas.microsoft.com/office/drawing/2010/main" xmlns="">
+                <a14:hiddenFill xmlns="" xmlns:a14="http://schemas.microsoft.com/office/drawing/2010/main">
                   <a:solidFill>
                     <a:srgbClr val="FFFFFF"/>
                   </a:solidFill>
                 </a14:hiddenFill>
               </a:ext>
               <a:ext uri="{91240B29-F687-4f45-9708-019B960494DF}">
-                <a14:hiddenLine xmlns:a14="http://schemas.microsoft.com/office/drawing/2010/main" xmlns="" w="9525">
+                <a14:hiddenLine xmlns="" xmlns:a14="http://schemas.microsoft.com/office/drawing/2010/main" w="9525">
                   <a:solidFill>
                     <a:srgbClr val="000000"/>
                   </a:solidFill>
@@ -27848,14 +27896,14 @@
           </a:ln>
           <a:extLst>
             <a:ext uri="{909E8E84-426E-40dd-AFC4-6F175D3DCCD1}">
-              <a14:hiddenFill xmlns:a14="http://schemas.microsoft.com/office/drawing/2010/main" xmlns="">
+              <a14:hiddenFill xmlns="" xmlns:a14="http://schemas.microsoft.com/office/drawing/2010/main">
                 <a:solidFill>
                   <a:srgbClr val="FFFFFF"/>
                 </a:solidFill>
               </a14:hiddenFill>
             </a:ext>
             <a:ext uri="{91240B29-F687-4f45-9708-019B960494DF}">
-              <a14:hiddenLine xmlns:a14="http://schemas.microsoft.com/office/drawing/2010/main" xmlns="" w="9525">
+              <a14:hiddenLine xmlns="" xmlns:a14="http://schemas.microsoft.com/office/drawing/2010/main" w="9525">
                 <a:solidFill>
                   <a:srgbClr val="000000"/>
                 </a:solidFill>
@@ -28032,7 +28080,7 @@
           </a:ln>
           <a:extLst>
             <a:ext uri="{909E8E84-426E-40dd-AFC4-6F175D3DCCD1}">
-              <a14:hiddenFill xmlns:a14="http://schemas.microsoft.com/office/drawing/2010/main" xmlns="">
+              <a14:hiddenFill xmlns="" xmlns:a14="http://schemas.microsoft.com/office/drawing/2010/main">
                 <a:solidFill>
                   <a:srgbClr val="FFFFFF"/>
                 </a:solidFill>
@@ -28097,7 +28145,7 @@
           </a:ln>
           <a:extLst>
             <a:ext uri="{909E8E84-426E-40dd-AFC4-6F175D3DCCD1}">
-              <a14:hiddenFill xmlns:a14="http://schemas.microsoft.com/office/drawing/2010/main" xmlns="">
+              <a14:hiddenFill xmlns="" xmlns:a14="http://schemas.microsoft.com/office/drawing/2010/main">
                 <a:solidFill>
                   <a:srgbClr val="FFFFFF"/>
                 </a:solidFill>
@@ -28170,14 +28218,14 @@
           </a:ln>
           <a:extLst>
             <a:ext uri="{909E8E84-426E-40dd-AFC4-6F175D3DCCD1}">
-              <a14:hiddenFill xmlns:a14="http://schemas.microsoft.com/office/drawing/2010/main" xmlns="">
+              <a14:hiddenFill xmlns="" xmlns:a14="http://schemas.microsoft.com/office/drawing/2010/main">
                 <a:solidFill>
                   <a:srgbClr val="FFFFFF"/>
                 </a:solidFill>
               </a14:hiddenFill>
             </a:ext>
             <a:ext uri="{91240B29-F687-4f45-9708-019B960494DF}">
-              <a14:hiddenLine xmlns:a14="http://schemas.microsoft.com/office/drawing/2010/main" xmlns="" w="9525">
+              <a14:hiddenLine xmlns="" xmlns:a14="http://schemas.microsoft.com/office/drawing/2010/main" w="9525">
                 <a:solidFill>
                   <a:srgbClr val="000000"/>
                 </a:solidFill>
@@ -28471,14 +28519,14 @@
           </a:ln>
           <a:extLst>
             <a:ext uri="{909E8E84-426E-40dd-AFC4-6F175D3DCCD1}">
-              <a14:hiddenFill xmlns:a14="http://schemas.microsoft.com/office/drawing/2010/main" xmlns="">
+              <a14:hiddenFill xmlns="" xmlns:a14="http://schemas.microsoft.com/office/drawing/2010/main">
                 <a:solidFill>
                   <a:srgbClr val="FFFFFF"/>
                 </a:solidFill>
               </a14:hiddenFill>
             </a:ext>
             <a:ext uri="{91240B29-F687-4f45-9708-019B960494DF}">
-              <a14:hiddenLine xmlns:a14="http://schemas.microsoft.com/office/drawing/2010/main" xmlns="" w="9525">
+              <a14:hiddenLine xmlns="" xmlns:a14="http://schemas.microsoft.com/office/drawing/2010/main" w="9525">
                 <a:solidFill>
                   <a:srgbClr val="000000"/>
                 </a:solidFill>
@@ -28691,14 +28739,14 @@
           </a:ln>
           <a:extLst>
             <a:ext uri="{909E8E84-426E-40dd-AFC4-6F175D3DCCD1}">
-              <a14:hiddenFill xmlns:a14="http://schemas.microsoft.com/office/drawing/2010/main" xmlns="">
+              <a14:hiddenFill xmlns="" xmlns:a14="http://schemas.microsoft.com/office/drawing/2010/main">
                 <a:solidFill>
                   <a:srgbClr val="FFFFFF"/>
                 </a:solidFill>
               </a14:hiddenFill>
             </a:ext>
             <a:ext uri="{91240B29-F687-4f45-9708-019B960494DF}">
-              <a14:hiddenLine xmlns:a14="http://schemas.microsoft.com/office/drawing/2010/main" xmlns="" w="9525">
+              <a14:hiddenLine xmlns="" xmlns:a14="http://schemas.microsoft.com/office/drawing/2010/main" w="9525">
                 <a:solidFill>
                   <a:srgbClr val="000000"/>
                 </a:solidFill>
@@ -28971,14 +29019,14 @@
           </a:ln>
           <a:extLst>
             <a:ext uri="{909E8E84-426E-40dd-AFC4-6F175D3DCCD1}">
-              <a14:hiddenFill xmlns:a14="http://schemas.microsoft.com/office/drawing/2010/main" xmlns="">
+              <a14:hiddenFill xmlns="" xmlns:a14="http://schemas.microsoft.com/office/drawing/2010/main">
                 <a:solidFill>
                   <a:srgbClr val="FFFFFF"/>
                 </a:solidFill>
               </a14:hiddenFill>
             </a:ext>
             <a:ext uri="{91240B29-F687-4f45-9708-019B960494DF}">
-              <a14:hiddenLine xmlns:a14="http://schemas.microsoft.com/office/drawing/2010/main" xmlns="" w="9525">
+              <a14:hiddenLine xmlns="" xmlns:a14="http://schemas.microsoft.com/office/drawing/2010/main" w="9525">
                 <a:solidFill>
                   <a:srgbClr val="000000"/>
                 </a:solidFill>
@@ -29151,14 +29199,14 @@
           </a:ln>
           <a:extLst>
             <a:ext uri="{909E8E84-426E-40dd-AFC4-6F175D3DCCD1}">
-              <a14:hiddenFill xmlns:a14="http://schemas.microsoft.com/office/drawing/2010/main" xmlns="">
+              <a14:hiddenFill xmlns="" xmlns:a14="http://schemas.microsoft.com/office/drawing/2010/main">
                 <a:solidFill>
                   <a:srgbClr val="FFFFFF"/>
                 </a:solidFill>
               </a14:hiddenFill>
             </a:ext>
             <a:ext uri="{91240B29-F687-4f45-9708-019B960494DF}">
-              <a14:hiddenLine xmlns:a14="http://schemas.microsoft.com/office/drawing/2010/main" xmlns="" w="9525">
+              <a14:hiddenLine xmlns="" xmlns:a14="http://schemas.microsoft.com/office/drawing/2010/main" w="9525">
                 <a:solidFill>
                   <a:srgbClr val="000000"/>
                 </a:solidFill>
@@ -29331,14 +29379,14 @@
           </a:ln>
           <a:extLst>
             <a:ext uri="{909E8E84-426E-40dd-AFC4-6F175D3DCCD1}">
-              <a14:hiddenFill xmlns:a14="http://schemas.microsoft.com/office/drawing/2010/main" xmlns="">
+              <a14:hiddenFill xmlns="" xmlns:a14="http://schemas.microsoft.com/office/drawing/2010/main">
                 <a:solidFill>
                   <a:srgbClr val="FFFFFF"/>
                 </a:solidFill>
               </a14:hiddenFill>
             </a:ext>
             <a:ext uri="{91240B29-F687-4f45-9708-019B960494DF}">
-              <a14:hiddenLine xmlns:a14="http://schemas.microsoft.com/office/drawing/2010/main" xmlns="" w="9525">
+              <a14:hiddenLine xmlns="" xmlns:a14="http://schemas.microsoft.com/office/drawing/2010/main" w="9525">
                 <a:solidFill>
                   <a:srgbClr val="000000"/>
                 </a:solidFill>
@@ -29511,14 +29559,14 @@
           </a:ln>
           <a:extLst>
             <a:ext uri="{909E8E84-426E-40dd-AFC4-6F175D3DCCD1}">
-              <a14:hiddenFill xmlns:a14="http://schemas.microsoft.com/office/drawing/2010/main" xmlns="">
+              <a14:hiddenFill xmlns="" xmlns:a14="http://schemas.microsoft.com/office/drawing/2010/main">
                 <a:solidFill>
                   <a:srgbClr val="FFFFFF"/>
                 </a:solidFill>
               </a14:hiddenFill>
             </a:ext>
             <a:ext uri="{91240B29-F687-4f45-9708-019B960494DF}">
-              <a14:hiddenLine xmlns:a14="http://schemas.microsoft.com/office/drawing/2010/main" xmlns="" w="9525">
+              <a14:hiddenLine xmlns="" xmlns:a14="http://schemas.microsoft.com/office/drawing/2010/main" w="9525">
                 <a:solidFill>
                   <a:srgbClr val="000000"/>
                 </a:solidFill>
@@ -29713,14 +29761,14 @@
             </a:ln>
             <a:extLst>
               <a:ext uri="{909E8E84-426E-40dd-AFC4-6F175D3DCCD1}">
-                <a14:hiddenFill xmlns:a14="http://schemas.microsoft.com/office/drawing/2010/main" xmlns="">
+                <a14:hiddenFill xmlns="" xmlns:a14="http://schemas.microsoft.com/office/drawing/2010/main">
                   <a:solidFill>
                     <a:srgbClr val="FFFFFF"/>
                   </a:solidFill>
                 </a14:hiddenFill>
               </a:ext>
               <a:ext uri="{91240B29-F687-4f45-9708-019B960494DF}">
-                <a14:hiddenLine xmlns:a14="http://schemas.microsoft.com/office/drawing/2010/main" xmlns="" w="9525">
+                <a14:hiddenLine xmlns="" xmlns:a14="http://schemas.microsoft.com/office/drawing/2010/main" w="9525">
                   <a:solidFill>
                     <a:srgbClr val="000000"/>
                   </a:solidFill>
@@ -29893,14 +29941,14 @@
             </a:ln>
             <a:extLst>
               <a:ext uri="{909E8E84-426E-40dd-AFC4-6F175D3DCCD1}">
-                <a14:hiddenFill xmlns:a14="http://schemas.microsoft.com/office/drawing/2010/main" xmlns="">
+                <a14:hiddenFill xmlns="" xmlns:a14="http://schemas.microsoft.com/office/drawing/2010/main">
                   <a:solidFill>
                     <a:srgbClr val="FFFFFF"/>
                   </a:solidFill>
                 </a14:hiddenFill>
               </a:ext>
               <a:ext uri="{91240B29-F687-4f45-9708-019B960494DF}">
-                <a14:hiddenLine xmlns:a14="http://schemas.microsoft.com/office/drawing/2010/main" xmlns="" w="9525">
+                <a14:hiddenLine xmlns="" xmlns:a14="http://schemas.microsoft.com/office/drawing/2010/main" w="9525">
                   <a:solidFill>
                     <a:srgbClr val="000000"/>
                   </a:solidFill>
@@ -30074,14 +30122,14 @@
           </a:ln>
           <a:extLst>
             <a:ext uri="{909E8E84-426E-40dd-AFC4-6F175D3DCCD1}">
-              <a14:hiddenFill xmlns:a14="http://schemas.microsoft.com/office/drawing/2010/main" xmlns="">
+              <a14:hiddenFill xmlns="" xmlns:a14="http://schemas.microsoft.com/office/drawing/2010/main">
                 <a:solidFill>
                   <a:srgbClr val="FFFFFF"/>
                 </a:solidFill>
               </a14:hiddenFill>
             </a:ext>
             <a:ext uri="{91240B29-F687-4f45-9708-019B960494DF}">
-              <a14:hiddenLine xmlns:a14="http://schemas.microsoft.com/office/drawing/2010/main" xmlns="" w="9525">
+              <a14:hiddenLine xmlns="" xmlns:a14="http://schemas.microsoft.com/office/drawing/2010/main" w="9525">
                 <a:solidFill>
                   <a:srgbClr val="000000"/>
                 </a:solidFill>
@@ -30253,14 +30301,14 @@
           </a:ln>
           <a:extLst>
             <a:ext uri="{909E8E84-426E-40dd-AFC4-6F175D3DCCD1}">
-              <a14:hiddenFill xmlns:a14="http://schemas.microsoft.com/office/drawing/2010/main" xmlns="">
+              <a14:hiddenFill xmlns="" xmlns:a14="http://schemas.microsoft.com/office/drawing/2010/main">
                 <a:solidFill>
                   <a:srgbClr val="FFFFFF"/>
                 </a:solidFill>
               </a14:hiddenFill>
             </a:ext>
             <a:ext uri="{91240B29-F687-4f45-9708-019B960494DF}">
-              <a14:hiddenLine xmlns:a14="http://schemas.microsoft.com/office/drawing/2010/main" xmlns="" w="9525">
+              <a14:hiddenLine xmlns="" xmlns:a14="http://schemas.microsoft.com/office/drawing/2010/main" w="9525">
                 <a:solidFill>
                   <a:srgbClr val="000000"/>
                 </a:solidFill>
@@ -30432,14 +30480,14 @@
           </a:ln>
           <a:extLst>
             <a:ext uri="{909E8E84-426E-40dd-AFC4-6F175D3DCCD1}">
-              <a14:hiddenFill xmlns:a14="http://schemas.microsoft.com/office/drawing/2010/main" xmlns="">
+              <a14:hiddenFill xmlns="" xmlns:a14="http://schemas.microsoft.com/office/drawing/2010/main">
                 <a:solidFill>
                   <a:srgbClr val="FFFFFF"/>
                 </a:solidFill>
               </a14:hiddenFill>
             </a:ext>
             <a:ext uri="{91240B29-F687-4f45-9708-019B960494DF}">
-              <a14:hiddenLine xmlns:a14="http://schemas.microsoft.com/office/drawing/2010/main" xmlns="" w="9525">
+              <a14:hiddenLine xmlns="" xmlns:a14="http://schemas.microsoft.com/office/drawing/2010/main" w="9525">
                 <a:solidFill>
                   <a:srgbClr val="000000"/>
                 </a:solidFill>
@@ -30611,14 +30659,14 @@
           </a:ln>
           <a:extLst>
             <a:ext uri="{909E8E84-426E-40dd-AFC4-6F175D3DCCD1}">
-              <a14:hiddenFill xmlns:a14="http://schemas.microsoft.com/office/drawing/2010/main" xmlns="">
+              <a14:hiddenFill xmlns="" xmlns:a14="http://schemas.microsoft.com/office/drawing/2010/main">
                 <a:solidFill>
                   <a:srgbClr val="FFFFFF"/>
                 </a:solidFill>
               </a14:hiddenFill>
             </a:ext>
             <a:ext uri="{91240B29-F687-4f45-9708-019B960494DF}">
-              <a14:hiddenLine xmlns:a14="http://schemas.microsoft.com/office/drawing/2010/main" xmlns="" w="9525">
+              <a14:hiddenLine xmlns="" xmlns:a14="http://schemas.microsoft.com/office/drawing/2010/main" w="9525">
                 <a:solidFill>
                   <a:srgbClr val="000000"/>
                 </a:solidFill>
@@ -30790,14 +30838,14 @@
           </a:ln>
           <a:extLst>
             <a:ext uri="{909E8E84-426E-40dd-AFC4-6F175D3DCCD1}">
-              <a14:hiddenFill xmlns:a14="http://schemas.microsoft.com/office/drawing/2010/main" xmlns="">
+              <a14:hiddenFill xmlns="" xmlns:a14="http://schemas.microsoft.com/office/drawing/2010/main">
                 <a:solidFill>
                   <a:srgbClr val="FFFFFF"/>
                 </a:solidFill>
               </a14:hiddenFill>
             </a:ext>
             <a:ext uri="{91240B29-F687-4f45-9708-019B960494DF}">
-              <a14:hiddenLine xmlns:a14="http://schemas.microsoft.com/office/drawing/2010/main" xmlns="" w="9525">
+              <a14:hiddenLine xmlns="" xmlns:a14="http://schemas.microsoft.com/office/drawing/2010/main" w="9525">
                 <a:solidFill>
                   <a:srgbClr val="000000"/>
                 </a:solidFill>
@@ -30970,14 +31018,14 @@
           </a:ln>
           <a:extLst>
             <a:ext uri="{909E8E84-426E-40dd-AFC4-6F175D3DCCD1}">
-              <a14:hiddenFill xmlns:a14="http://schemas.microsoft.com/office/drawing/2010/main" xmlns="">
+              <a14:hiddenFill xmlns="" xmlns:a14="http://schemas.microsoft.com/office/drawing/2010/main">
                 <a:solidFill>
                   <a:srgbClr val="FFFFFF"/>
                 </a:solidFill>
               </a14:hiddenFill>
             </a:ext>
             <a:ext uri="{91240B29-F687-4f45-9708-019B960494DF}">
-              <a14:hiddenLine xmlns:a14="http://schemas.microsoft.com/office/drawing/2010/main" xmlns="" w="9525">
+              <a14:hiddenLine xmlns="" xmlns:a14="http://schemas.microsoft.com/office/drawing/2010/main" w="9525">
                 <a:solidFill>
                   <a:srgbClr val="000000"/>
                 </a:solidFill>
@@ -31158,7 +31206,7 @@
           </a:ln>
           <a:extLst>
             <a:ext uri="{909E8E84-426E-40dd-AFC4-6F175D3DCCD1}">
-              <a14:hiddenFill xmlns:a14="http://schemas.microsoft.com/office/drawing/2010/main" xmlns="">
+              <a14:hiddenFill xmlns="" xmlns:a14="http://schemas.microsoft.com/office/drawing/2010/main">
                 <a:solidFill>
                   <a:srgbClr val="FFFFFF"/>
                 </a:solidFill>
@@ -31238,7 +31286,7 @@
           </a:ln>
           <a:extLst>
             <a:ext uri="{909E8E84-426E-40dd-AFC4-6F175D3DCCD1}">
-              <a14:hiddenFill xmlns:a14="http://schemas.microsoft.com/office/drawing/2010/main" xmlns="">
+              <a14:hiddenFill xmlns="" xmlns:a14="http://schemas.microsoft.com/office/drawing/2010/main">
                 <a:solidFill>
                   <a:srgbClr val="FFFFFF"/>
                 </a:solidFill>
@@ -31318,7 +31366,7 @@
           </a:ln>
           <a:extLst>
             <a:ext uri="{909E8E84-426E-40dd-AFC4-6F175D3DCCD1}">
-              <a14:hiddenFill xmlns:a14="http://schemas.microsoft.com/office/drawing/2010/main" xmlns="">
+              <a14:hiddenFill xmlns="" xmlns:a14="http://schemas.microsoft.com/office/drawing/2010/main">
                 <a:solidFill>
                   <a:srgbClr val="FFFFFF"/>
                 </a:solidFill>
@@ -31398,7 +31446,7 @@
           </a:ln>
           <a:extLst>
             <a:ext uri="{909E8E84-426E-40dd-AFC4-6F175D3DCCD1}">
-              <a14:hiddenFill xmlns:a14="http://schemas.microsoft.com/office/drawing/2010/main" xmlns="">
+              <a14:hiddenFill xmlns="" xmlns:a14="http://schemas.microsoft.com/office/drawing/2010/main">
                 <a:solidFill>
                   <a:srgbClr val="FFFFFF"/>
                 </a:solidFill>
@@ -31492,14 +31540,14 @@
             </a:ln>
             <a:extLst>
               <a:ext uri="{909E8E84-426E-40dd-AFC4-6F175D3DCCD1}">
-                <a14:hiddenFill xmlns:a14="http://schemas.microsoft.com/office/drawing/2010/main" xmlns="">
+                <a14:hiddenFill xmlns="" xmlns:a14="http://schemas.microsoft.com/office/drawing/2010/main">
                   <a:solidFill>
                     <a:srgbClr val="FFFFFF"/>
                   </a:solidFill>
                 </a14:hiddenFill>
               </a:ext>
               <a:ext uri="{91240B29-F687-4f45-9708-019B960494DF}">
-                <a14:hiddenLine xmlns:a14="http://schemas.microsoft.com/office/drawing/2010/main" xmlns="" w="9525">
+                <a14:hiddenLine xmlns="" xmlns:a14="http://schemas.microsoft.com/office/drawing/2010/main" w="9525">
                   <a:solidFill>
                     <a:srgbClr val="000000"/>
                   </a:solidFill>
@@ -31710,14 +31758,14 @@
               </a:ln>
               <a:extLst>
                 <a:ext uri="{909E8E84-426E-40dd-AFC4-6F175D3DCCD1}">
-                  <a14:hiddenFill xmlns:a14="http://schemas.microsoft.com/office/drawing/2010/main" xmlns="">
+                  <a14:hiddenFill xmlns="" xmlns:a14="http://schemas.microsoft.com/office/drawing/2010/main">
                     <a:solidFill>
                       <a:srgbClr val="FFFFFF"/>
                     </a:solidFill>
                   </a14:hiddenFill>
                 </a:ext>
                 <a:ext uri="{91240B29-F687-4f45-9708-019B960494DF}">
-                  <a14:hiddenLine xmlns:a14="http://schemas.microsoft.com/office/drawing/2010/main" xmlns="" w="9525">
+                  <a14:hiddenLine xmlns="" xmlns:a14="http://schemas.microsoft.com/office/drawing/2010/main" w="9525">
                     <a:solidFill>
                       <a:srgbClr val="000000"/>
                     </a:solidFill>
@@ -31906,14 +31954,14 @@
               </a:ln>
               <a:extLst>
                 <a:ext uri="{909E8E84-426E-40dd-AFC4-6F175D3DCCD1}">
-                  <a14:hiddenFill xmlns:a14="http://schemas.microsoft.com/office/drawing/2010/main" xmlns="">
+                  <a14:hiddenFill xmlns="" xmlns:a14="http://schemas.microsoft.com/office/drawing/2010/main">
                     <a:solidFill>
                       <a:srgbClr val="FFFFFF"/>
                     </a:solidFill>
                   </a14:hiddenFill>
                 </a:ext>
                 <a:ext uri="{91240B29-F687-4f45-9708-019B960494DF}">
-                  <a14:hiddenLine xmlns:a14="http://schemas.microsoft.com/office/drawing/2010/main" xmlns="" w="9525">
+                  <a14:hiddenLine xmlns="" xmlns:a14="http://schemas.microsoft.com/office/drawing/2010/main" w="9525">
                     <a:solidFill>
                       <a:srgbClr val="000000"/>
                     </a:solidFill>
@@ -32103,14 +32151,14 @@
             </a:ln>
             <a:extLst>
               <a:ext uri="{909E8E84-426E-40dd-AFC4-6F175D3DCCD1}">
-                <a14:hiddenFill xmlns:a14="http://schemas.microsoft.com/office/drawing/2010/main" xmlns="">
+                <a14:hiddenFill xmlns="" xmlns:a14="http://schemas.microsoft.com/office/drawing/2010/main">
                   <a:solidFill>
                     <a:srgbClr val="FFFFFF"/>
                   </a:solidFill>
                 </a14:hiddenFill>
               </a:ext>
               <a:ext uri="{91240B29-F687-4f45-9708-019B960494DF}">
-                <a14:hiddenLine xmlns:a14="http://schemas.microsoft.com/office/drawing/2010/main" xmlns="" w="9525">
+                <a14:hiddenLine xmlns="" xmlns:a14="http://schemas.microsoft.com/office/drawing/2010/main" w="9525">
                   <a:solidFill>
                     <a:srgbClr val="000000"/>
                   </a:solidFill>
@@ -32299,14 +32347,14 @@
             </a:ln>
             <a:extLst>
               <a:ext uri="{909E8E84-426E-40dd-AFC4-6F175D3DCCD1}">
-                <a14:hiddenFill xmlns:a14="http://schemas.microsoft.com/office/drawing/2010/main" xmlns="">
+                <a14:hiddenFill xmlns="" xmlns:a14="http://schemas.microsoft.com/office/drawing/2010/main">
                   <a:solidFill>
                     <a:srgbClr val="FFFFFF"/>
                   </a:solidFill>
                 </a14:hiddenFill>
               </a:ext>
               <a:ext uri="{91240B29-F687-4f45-9708-019B960494DF}">
-                <a14:hiddenLine xmlns:a14="http://schemas.microsoft.com/office/drawing/2010/main" xmlns="" w="9525">
+                <a14:hiddenLine xmlns="" xmlns:a14="http://schemas.microsoft.com/office/drawing/2010/main" w="9525">
                   <a:solidFill>
                     <a:srgbClr val="000000"/>
                   </a:solidFill>
@@ -32495,14 +32543,14 @@
             </a:ln>
             <a:extLst>
               <a:ext uri="{909E8E84-426E-40dd-AFC4-6F175D3DCCD1}">
-                <a14:hiddenFill xmlns:a14="http://schemas.microsoft.com/office/drawing/2010/main" xmlns="">
+                <a14:hiddenFill xmlns="" xmlns:a14="http://schemas.microsoft.com/office/drawing/2010/main">
                   <a:solidFill>
                     <a:srgbClr val="FFFFFF"/>
                   </a:solidFill>
                 </a14:hiddenFill>
               </a:ext>
               <a:ext uri="{91240B29-F687-4f45-9708-019B960494DF}">
-                <a14:hiddenLine xmlns:a14="http://schemas.microsoft.com/office/drawing/2010/main" xmlns="" w="9525">
+                <a14:hiddenLine xmlns="" xmlns:a14="http://schemas.microsoft.com/office/drawing/2010/main" w="9525">
                   <a:solidFill>
                     <a:srgbClr val="000000"/>
                   </a:solidFill>
@@ -32713,14 +32761,14 @@
               </a:ln>
               <a:extLst>
                 <a:ext uri="{909E8E84-426E-40dd-AFC4-6F175D3DCCD1}">
-                  <a14:hiddenFill xmlns:a14="http://schemas.microsoft.com/office/drawing/2010/main" xmlns="">
+                  <a14:hiddenFill xmlns="" xmlns:a14="http://schemas.microsoft.com/office/drawing/2010/main">
                     <a:solidFill>
                       <a:srgbClr val="FFFFFF"/>
                     </a:solidFill>
                   </a14:hiddenFill>
                 </a:ext>
                 <a:ext uri="{91240B29-F687-4f45-9708-019B960494DF}">
-                  <a14:hiddenLine xmlns:a14="http://schemas.microsoft.com/office/drawing/2010/main" xmlns="" w="9525">
+                  <a14:hiddenLine xmlns="" xmlns:a14="http://schemas.microsoft.com/office/drawing/2010/main" w="9525">
                     <a:solidFill>
                       <a:srgbClr val="000000"/>
                     </a:solidFill>
@@ -32909,14 +32957,14 @@
               </a:ln>
               <a:extLst>
                 <a:ext uri="{909E8E84-426E-40dd-AFC4-6F175D3DCCD1}">
-                  <a14:hiddenFill xmlns:a14="http://schemas.microsoft.com/office/drawing/2010/main" xmlns="">
+                  <a14:hiddenFill xmlns="" xmlns:a14="http://schemas.microsoft.com/office/drawing/2010/main">
                     <a:solidFill>
                       <a:srgbClr val="FFFFFF"/>
                     </a:solidFill>
                   </a14:hiddenFill>
                 </a:ext>
                 <a:ext uri="{91240B29-F687-4f45-9708-019B960494DF}">
-                  <a14:hiddenLine xmlns:a14="http://schemas.microsoft.com/office/drawing/2010/main" xmlns="" w="9525">
+                  <a14:hiddenLine xmlns="" xmlns:a14="http://schemas.microsoft.com/office/drawing/2010/main" w="9525">
                     <a:solidFill>
                       <a:srgbClr val="000000"/>
                     </a:solidFill>
@@ -33106,14 +33154,14 @@
             </a:ln>
             <a:extLst>
               <a:ext uri="{909E8E84-426E-40dd-AFC4-6F175D3DCCD1}">
-                <a14:hiddenFill xmlns:a14="http://schemas.microsoft.com/office/drawing/2010/main" xmlns="">
+                <a14:hiddenFill xmlns="" xmlns:a14="http://schemas.microsoft.com/office/drawing/2010/main">
                   <a:solidFill>
                     <a:srgbClr val="FFFFFF"/>
                   </a:solidFill>
                 </a14:hiddenFill>
               </a:ext>
               <a:ext uri="{91240B29-F687-4f45-9708-019B960494DF}">
-                <a14:hiddenLine xmlns:a14="http://schemas.microsoft.com/office/drawing/2010/main" xmlns="" w="9525">
+                <a14:hiddenLine xmlns="" xmlns:a14="http://schemas.microsoft.com/office/drawing/2010/main" w="9525">
                   <a:solidFill>
                     <a:srgbClr val="000000"/>
                   </a:solidFill>
@@ -33310,7 +33358,7 @@
             </a:ln>
             <a:extLst>
               <a:ext uri="{909E8E84-426E-40dd-AFC4-6F175D3DCCD1}">
-                <a14:hiddenFill xmlns:a14="http://schemas.microsoft.com/office/drawing/2010/main" xmlns="">
+                <a14:hiddenFill xmlns="" xmlns:a14="http://schemas.microsoft.com/office/drawing/2010/main">
                   <a:solidFill>
                     <a:srgbClr val="FFFFFF"/>
                   </a:solidFill>
@@ -33390,7 +33438,7 @@
             </a:ln>
             <a:extLst>
               <a:ext uri="{909E8E84-426E-40dd-AFC4-6F175D3DCCD1}">
-                <a14:hiddenFill xmlns:a14="http://schemas.microsoft.com/office/drawing/2010/main" xmlns="">
+                <a14:hiddenFill xmlns="" xmlns:a14="http://schemas.microsoft.com/office/drawing/2010/main">
                   <a:solidFill>
                     <a:srgbClr val="FFFFFF"/>
                   </a:solidFill>
@@ -33470,7 +33518,7 @@
             </a:ln>
             <a:extLst>
               <a:ext uri="{909E8E84-426E-40dd-AFC4-6F175D3DCCD1}">
-                <a14:hiddenFill xmlns:a14="http://schemas.microsoft.com/office/drawing/2010/main" xmlns="">
+                <a14:hiddenFill xmlns="" xmlns:a14="http://schemas.microsoft.com/office/drawing/2010/main">
                   <a:solidFill>
                     <a:srgbClr val="FFFFFF"/>
                   </a:solidFill>
@@ -34260,14 +34308,14 @@
             <a:effectLst/>
             <a:extLst>
               <a:ext uri="{909E8E84-426E-40dd-AFC4-6F175D3DCCD1}">
-                <a14:hiddenFill xmlns:a14="http://schemas.microsoft.com/office/drawing/2010/main" xmlns="">
+                <a14:hiddenFill xmlns="" xmlns:a14="http://schemas.microsoft.com/office/drawing/2010/main">
                   <a:solidFill>
                     <a:schemeClr val="accent1"/>
                   </a:solidFill>
                 </a14:hiddenFill>
               </a:ext>
               <a:ext uri="{AF507438-7753-43e0-B8FC-AC1667EBCBE1}">
-                <a14:hiddenEffects xmlns:a14="http://schemas.microsoft.com/office/drawing/2010/main" xmlns="">
+                <a14:hiddenEffects xmlns="" xmlns:a14="http://schemas.microsoft.com/office/drawing/2010/main">
                   <a:effectLst>
                     <a:outerShdw blurRad="63500" dist="38099" dir="2700000" algn="ctr" rotWithShape="0">
                       <a:schemeClr val="bg2">
@@ -34364,14 +34412,14 @@
             <a:effectLst/>
             <a:extLst>
               <a:ext uri="{909E8E84-426E-40dd-AFC4-6F175D3DCCD1}">
-                <a14:hiddenFill xmlns:a14="http://schemas.microsoft.com/office/drawing/2010/main" xmlns="">
+                <a14:hiddenFill xmlns="" xmlns:a14="http://schemas.microsoft.com/office/drawing/2010/main">
                   <a:solidFill>
                     <a:schemeClr val="accent1"/>
                   </a:solidFill>
                 </a14:hiddenFill>
               </a:ext>
               <a:ext uri="{AF507438-7753-43e0-B8FC-AC1667EBCBE1}">
-                <a14:hiddenEffects xmlns:a14="http://schemas.microsoft.com/office/drawing/2010/main" xmlns="">
+                <a14:hiddenEffects xmlns="" xmlns:a14="http://schemas.microsoft.com/office/drawing/2010/main">
                   <a:effectLst>
                     <a:outerShdw dist="35921" dir="2700000" algn="ctr" rotWithShape="0">
                       <a:schemeClr val="bg2"/>
@@ -34614,14 +34662,14 @@
           </a:ln>
           <a:extLst>
             <a:ext uri="{909E8E84-426E-40dd-AFC4-6F175D3DCCD1}">
-              <a14:hiddenFill xmlns:a14="http://schemas.microsoft.com/office/drawing/2010/main" xmlns="">
+              <a14:hiddenFill xmlns="" xmlns:a14="http://schemas.microsoft.com/office/drawing/2010/main">
                 <a:solidFill>
                   <a:srgbClr val="FFFFFF"/>
                 </a:solidFill>
               </a14:hiddenFill>
             </a:ext>
             <a:ext uri="{91240B29-F687-4f45-9708-019B960494DF}">
-              <a14:hiddenLine xmlns:a14="http://schemas.microsoft.com/office/drawing/2010/main" xmlns="" w="9525">
+              <a14:hiddenLine xmlns="" xmlns:a14="http://schemas.microsoft.com/office/drawing/2010/main" w="9525">
                 <a:solidFill>
                   <a:srgbClr val="000000"/>
                 </a:solidFill>
@@ -34876,14 +34924,14 @@
                 </a:ln>
                 <a:extLst>
                   <a:ext uri="{909E8E84-426E-40dd-AFC4-6F175D3DCCD1}">
-                    <a14:hiddenFill xmlns:a14="http://schemas.microsoft.com/office/drawing/2010/main" xmlns="">
+                    <a14:hiddenFill xmlns="" xmlns:a14="http://schemas.microsoft.com/office/drawing/2010/main">
                       <a:solidFill>
                         <a:srgbClr val="FFFFFF"/>
                       </a:solidFill>
                     </a14:hiddenFill>
                   </a:ext>
                   <a:ext uri="{91240B29-F687-4f45-9708-019B960494DF}">
-                    <a14:hiddenLine xmlns:a14="http://schemas.microsoft.com/office/drawing/2010/main" xmlns="" w="9525">
+                    <a14:hiddenLine xmlns="" xmlns:a14="http://schemas.microsoft.com/office/drawing/2010/main" w="9525">
                       <a:solidFill>
                         <a:srgbClr val="000000"/>
                       </a:solidFill>
@@ -35089,14 +35137,14 @@
                 </a:ln>
                 <a:extLst>
                   <a:ext uri="{909E8E84-426E-40dd-AFC4-6F175D3DCCD1}">
-                    <a14:hiddenFill xmlns:a14="http://schemas.microsoft.com/office/drawing/2010/main" xmlns="">
+                    <a14:hiddenFill xmlns="" xmlns:a14="http://schemas.microsoft.com/office/drawing/2010/main">
                       <a:solidFill>
                         <a:srgbClr val="FFFFFF"/>
                       </a:solidFill>
                     </a14:hiddenFill>
                   </a:ext>
                   <a:ext uri="{91240B29-F687-4f45-9708-019B960494DF}">
-                    <a14:hiddenLine xmlns:a14="http://schemas.microsoft.com/office/drawing/2010/main" xmlns="" w="9525">
+                    <a14:hiddenLine xmlns="" xmlns:a14="http://schemas.microsoft.com/office/drawing/2010/main" w="9525">
                       <a:solidFill>
                         <a:srgbClr val="000000"/>
                       </a:solidFill>
@@ -35269,14 +35317,14 @@
                 </a:ln>
                 <a:extLst>
                   <a:ext uri="{909E8E84-426E-40dd-AFC4-6F175D3DCCD1}">
-                    <a14:hiddenFill xmlns:a14="http://schemas.microsoft.com/office/drawing/2010/main" xmlns="">
+                    <a14:hiddenFill xmlns="" xmlns:a14="http://schemas.microsoft.com/office/drawing/2010/main">
                       <a:solidFill>
                         <a:srgbClr val="FFFFFF"/>
                       </a:solidFill>
                     </a14:hiddenFill>
                   </a:ext>
                   <a:ext uri="{91240B29-F687-4f45-9708-019B960494DF}">
-                    <a14:hiddenLine xmlns:a14="http://schemas.microsoft.com/office/drawing/2010/main" xmlns="" w="9525">
+                    <a14:hiddenLine xmlns="" xmlns:a14="http://schemas.microsoft.com/office/drawing/2010/main" w="9525">
                       <a:solidFill>
                         <a:srgbClr val="000000"/>
                       </a:solidFill>
@@ -35450,14 +35498,14 @@
               </a:ln>
               <a:extLst>
                 <a:ext uri="{909E8E84-426E-40dd-AFC4-6F175D3DCCD1}">
-                  <a14:hiddenFill xmlns:a14="http://schemas.microsoft.com/office/drawing/2010/main" xmlns="">
+                  <a14:hiddenFill xmlns="" xmlns:a14="http://schemas.microsoft.com/office/drawing/2010/main">
                     <a:solidFill>
                       <a:srgbClr val="FFFFFF"/>
                     </a:solidFill>
                   </a14:hiddenFill>
                 </a:ext>
                 <a:ext uri="{91240B29-F687-4f45-9708-019B960494DF}">
-                  <a14:hiddenLine xmlns:a14="http://schemas.microsoft.com/office/drawing/2010/main" xmlns="" w="9525">
+                  <a14:hiddenLine xmlns="" xmlns:a14="http://schemas.microsoft.com/office/drawing/2010/main" w="9525">
                     <a:solidFill>
                       <a:srgbClr val="000000"/>
                     </a:solidFill>
@@ -35623,14 +35671,14 @@
               </a:ln>
               <a:extLst>
                 <a:ext uri="{909E8E84-426E-40dd-AFC4-6F175D3DCCD1}">
-                  <a14:hiddenFill xmlns:a14="http://schemas.microsoft.com/office/drawing/2010/main" xmlns="">
+                  <a14:hiddenFill xmlns="" xmlns:a14="http://schemas.microsoft.com/office/drawing/2010/main">
                     <a:solidFill>
                       <a:srgbClr val="FFFFFF"/>
                     </a:solidFill>
                   </a14:hiddenFill>
                 </a:ext>
                 <a:ext uri="{91240B29-F687-4f45-9708-019B960494DF}">
-                  <a14:hiddenLine xmlns:a14="http://schemas.microsoft.com/office/drawing/2010/main" xmlns="" w="9525">
+                  <a14:hiddenLine xmlns="" xmlns:a14="http://schemas.microsoft.com/office/drawing/2010/main" w="9525">
                     <a:solidFill>
                       <a:srgbClr val="000000"/>
                     </a:solidFill>
@@ -35797,14 +35845,14 @@
             </a:ln>
             <a:extLst>
               <a:ext uri="{909E8E84-426E-40dd-AFC4-6F175D3DCCD1}">
-                <a14:hiddenFill xmlns:a14="http://schemas.microsoft.com/office/drawing/2010/main" xmlns="">
+                <a14:hiddenFill xmlns="" xmlns:a14="http://schemas.microsoft.com/office/drawing/2010/main">
                   <a:solidFill>
                     <a:srgbClr val="FFFFFF"/>
                   </a:solidFill>
                 </a14:hiddenFill>
               </a:ext>
               <a:ext uri="{91240B29-F687-4f45-9708-019B960494DF}">
-                <a14:hiddenLine xmlns:a14="http://schemas.microsoft.com/office/drawing/2010/main" xmlns="" w="9525">
+                <a14:hiddenLine xmlns="" xmlns:a14="http://schemas.microsoft.com/office/drawing/2010/main" w="9525">
                   <a:solidFill>
                     <a:srgbClr val="000000"/>
                   </a:solidFill>
@@ -36010,14 +36058,14 @@
             </a:ln>
             <a:extLst>
               <a:ext uri="{909E8E84-426E-40dd-AFC4-6F175D3DCCD1}">
-                <a14:hiddenFill xmlns:a14="http://schemas.microsoft.com/office/drawing/2010/main" xmlns="">
+                <a14:hiddenFill xmlns="" xmlns:a14="http://schemas.microsoft.com/office/drawing/2010/main">
                   <a:solidFill>
                     <a:srgbClr val="FFFFFF"/>
                   </a:solidFill>
                 </a14:hiddenFill>
               </a:ext>
               <a:ext uri="{91240B29-F687-4f45-9708-019B960494DF}">
-                <a14:hiddenLine xmlns:a14="http://schemas.microsoft.com/office/drawing/2010/main" xmlns="" w="9525">
+                <a14:hiddenLine xmlns="" xmlns:a14="http://schemas.microsoft.com/office/drawing/2010/main" w="9525">
                   <a:solidFill>
                     <a:srgbClr val="000000"/>
                   </a:solidFill>
@@ -36190,14 +36238,14 @@
             </a:ln>
             <a:extLst>
               <a:ext uri="{909E8E84-426E-40dd-AFC4-6F175D3DCCD1}">
-                <a14:hiddenFill xmlns:a14="http://schemas.microsoft.com/office/drawing/2010/main" xmlns="">
+                <a14:hiddenFill xmlns="" xmlns:a14="http://schemas.microsoft.com/office/drawing/2010/main">
                   <a:solidFill>
                     <a:srgbClr val="FFFFFF"/>
                   </a:solidFill>
                 </a14:hiddenFill>
               </a:ext>
               <a:ext uri="{91240B29-F687-4f45-9708-019B960494DF}">
-                <a14:hiddenLine xmlns:a14="http://schemas.microsoft.com/office/drawing/2010/main" xmlns="" w="9525">
+                <a14:hiddenLine xmlns="" xmlns:a14="http://schemas.microsoft.com/office/drawing/2010/main" w="9525">
                   <a:solidFill>
                     <a:srgbClr val="000000"/>
                   </a:solidFill>
@@ -36370,14 +36418,14 @@
             </a:ln>
             <a:extLst>
               <a:ext uri="{909E8E84-426E-40dd-AFC4-6F175D3DCCD1}">
-                <a14:hiddenFill xmlns:a14="http://schemas.microsoft.com/office/drawing/2010/main" xmlns="">
+                <a14:hiddenFill xmlns="" xmlns:a14="http://schemas.microsoft.com/office/drawing/2010/main">
                   <a:solidFill>
                     <a:srgbClr val="FFFFFF"/>
                   </a:solidFill>
                 </a14:hiddenFill>
               </a:ext>
               <a:ext uri="{91240B29-F687-4f45-9708-019B960494DF}">
-                <a14:hiddenLine xmlns:a14="http://schemas.microsoft.com/office/drawing/2010/main" xmlns="" w="9525">
+                <a14:hiddenLine xmlns="" xmlns:a14="http://schemas.microsoft.com/office/drawing/2010/main" w="9525">
                   <a:solidFill>
                     <a:srgbClr val="000000"/>
                   </a:solidFill>
@@ -36543,14 +36591,14 @@
             </a:ln>
             <a:extLst>
               <a:ext uri="{909E8E84-426E-40dd-AFC4-6F175D3DCCD1}">
-                <a14:hiddenFill xmlns:a14="http://schemas.microsoft.com/office/drawing/2010/main" xmlns="">
+                <a14:hiddenFill xmlns="" xmlns:a14="http://schemas.microsoft.com/office/drawing/2010/main">
                   <a:solidFill>
                     <a:srgbClr val="FFFFFF"/>
                   </a:solidFill>
                 </a14:hiddenFill>
               </a:ext>
               <a:ext uri="{91240B29-F687-4f45-9708-019B960494DF}">
-                <a14:hiddenLine xmlns:a14="http://schemas.microsoft.com/office/drawing/2010/main" xmlns="" w="9525">
+                <a14:hiddenLine xmlns="" xmlns:a14="http://schemas.microsoft.com/office/drawing/2010/main" w="9525">
                   <a:solidFill>
                     <a:srgbClr val="000000"/>
                   </a:solidFill>
@@ -36716,14 +36764,14 @@
             </a:ln>
             <a:extLst>
               <a:ext uri="{909E8E84-426E-40dd-AFC4-6F175D3DCCD1}">
-                <a14:hiddenFill xmlns:a14="http://schemas.microsoft.com/office/drawing/2010/main" xmlns="">
+                <a14:hiddenFill xmlns="" xmlns:a14="http://schemas.microsoft.com/office/drawing/2010/main">
                   <a:solidFill>
                     <a:srgbClr val="FFFFFF"/>
                   </a:solidFill>
                 </a14:hiddenFill>
               </a:ext>
               <a:ext uri="{91240B29-F687-4f45-9708-019B960494DF}">
-                <a14:hiddenLine xmlns:a14="http://schemas.microsoft.com/office/drawing/2010/main" xmlns="" w="9525">
+                <a14:hiddenLine xmlns="" xmlns:a14="http://schemas.microsoft.com/office/drawing/2010/main" w="9525">
                   <a:solidFill>
                     <a:srgbClr val="000000"/>
                   </a:solidFill>
@@ -36890,14 +36938,14 @@
           </a:ln>
           <a:extLst>
             <a:ext uri="{909E8E84-426E-40dd-AFC4-6F175D3DCCD1}">
-              <a14:hiddenFill xmlns:a14="http://schemas.microsoft.com/office/drawing/2010/main" xmlns="">
+              <a14:hiddenFill xmlns="" xmlns:a14="http://schemas.microsoft.com/office/drawing/2010/main">
                 <a:solidFill>
                   <a:srgbClr val="FFFFFF"/>
                 </a:solidFill>
               </a14:hiddenFill>
             </a:ext>
             <a:ext uri="{91240B29-F687-4f45-9708-019B960494DF}">
-              <a14:hiddenLine xmlns:a14="http://schemas.microsoft.com/office/drawing/2010/main" xmlns="" w="9525">
+              <a14:hiddenLine xmlns="" xmlns:a14="http://schemas.microsoft.com/office/drawing/2010/main" w="9525">
                 <a:solidFill>
                   <a:srgbClr val="000000"/>
                 </a:solidFill>
@@ -37062,14 +37110,14 @@
           </a:ln>
           <a:extLst>
             <a:ext uri="{909E8E84-426E-40dd-AFC4-6F175D3DCCD1}">
-              <a14:hiddenFill xmlns:a14="http://schemas.microsoft.com/office/drawing/2010/main" xmlns="">
+              <a14:hiddenFill xmlns="" xmlns:a14="http://schemas.microsoft.com/office/drawing/2010/main">
                 <a:solidFill>
                   <a:srgbClr val="FFFFFF"/>
                 </a:solidFill>
               </a14:hiddenFill>
             </a:ext>
             <a:ext uri="{91240B29-F687-4f45-9708-019B960494DF}">
-              <a14:hiddenLine xmlns:a14="http://schemas.microsoft.com/office/drawing/2010/main" xmlns="" w="9525">
+              <a14:hiddenLine xmlns="" xmlns:a14="http://schemas.microsoft.com/office/drawing/2010/main" w="9525">
                 <a:solidFill>
                   <a:srgbClr val="000000"/>
                 </a:solidFill>
@@ -37242,7 +37290,7 @@
           </a:ln>
           <a:extLst>
             <a:ext uri="{909E8E84-426E-40dd-AFC4-6F175D3DCCD1}">
-              <a14:hiddenFill xmlns:a14="http://schemas.microsoft.com/office/drawing/2010/main" xmlns="">
+              <a14:hiddenFill xmlns="" xmlns:a14="http://schemas.microsoft.com/office/drawing/2010/main">
                 <a:solidFill>
                   <a:srgbClr val="FFFFFF"/>
                 </a:solidFill>
@@ -37299,7 +37347,7 @@
           </a:ln>
           <a:extLst>
             <a:ext uri="{909E8E84-426E-40dd-AFC4-6F175D3DCCD1}">
-              <a14:hiddenFill xmlns:a14="http://schemas.microsoft.com/office/drawing/2010/main" xmlns="">
+              <a14:hiddenFill xmlns="" xmlns:a14="http://schemas.microsoft.com/office/drawing/2010/main">
                 <a:solidFill>
                   <a:srgbClr val="FFFFFF"/>
                 </a:solidFill>
@@ -37348,14 +37396,14 @@
           </a:ln>
           <a:extLst>
             <a:ext uri="{909E8E84-426E-40dd-AFC4-6F175D3DCCD1}">
-              <a14:hiddenFill xmlns:a14="http://schemas.microsoft.com/office/drawing/2010/main" xmlns="">
+              <a14:hiddenFill xmlns="" xmlns:a14="http://schemas.microsoft.com/office/drawing/2010/main">
                 <a:solidFill>
                   <a:srgbClr val="FFFFFF"/>
                 </a:solidFill>
               </a14:hiddenFill>
             </a:ext>
             <a:ext uri="{91240B29-F687-4f45-9708-019B960494DF}">
-              <a14:hiddenLine xmlns:a14="http://schemas.microsoft.com/office/drawing/2010/main" xmlns="" w="9525">
+              <a14:hiddenLine xmlns="" xmlns:a14="http://schemas.microsoft.com/office/drawing/2010/main" w="9525">
                 <a:solidFill>
                   <a:srgbClr val="000000"/>
                 </a:solidFill>
@@ -37924,14 +37972,14 @@
           </a:ln>
           <a:extLst>
             <a:ext uri="{909E8E84-426E-40dd-AFC4-6F175D3DCCD1}">
-              <a14:hiddenFill xmlns:a14="http://schemas.microsoft.com/office/drawing/2010/main" xmlns="">
+              <a14:hiddenFill xmlns="" xmlns:a14="http://schemas.microsoft.com/office/drawing/2010/main">
                 <a:solidFill>
                   <a:srgbClr val="FFFFFF"/>
                 </a:solidFill>
               </a14:hiddenFill>
             </a:ext>
             <a:ext uri="{91240B29-F687-4f45-9708-019B960494DF}">
-              <a14:hiddenLine xmlns:a14="http://schemas.microsoft.com/office/drawing/2010/main" xmlns="" w="9525">
+              <a14:hiddenLine xmlns="" xmlns:a14="http://schemas.microsoft.com/office/drawing/2010/main" w="9525">
                 <a:solidFill>
                   <a:srgbClr val="000000"/>
                 </a:solidFill>
@@ -38095,14 +38143,14 @@
           </a:ln>
           <a:extLst>
             <a:ext uri="{909E8E84-426E-40dd-AFC4-6F175D3DCCD1}">
-              <a14:hiddenFill xmlns:a14="http://schemas.microsoft.com/office/drawing/2010/main" xmlns="">
+              <a14:hiddenFill xmlns="" xmlns:a14="http://schemas.microsoft.com/office/drawing/2010/main">
                 <a:solidFill>
                   <a:srgbClr val="FFFFFF"/>
                 </a:solidFill>
               </a14:hiddenFill>
             </a:ext>
             <a:ext uri="{91240B29-F687-4f45-9708-019B960494DF}">
-              <a14:hiddenLine xmlns:a14="http://schemas.microsoft.com/office/drawing/2010/main" xmlns="" w="9525">
+              <a14:hiddenLine xmlns="" xmlns:a14="http://schemas.microsoft.com/office/drawing/2010/main" w="9525">
                 <a:solidFill>
                   <a:srgbClr val="000000"/>
                 </a:solidFill>
@@ -38333,14 +38381,14 @@
                 </a:ln>
                 <a:extLst>
                   <a:ext uri="{909E8E84-426E-40dd-AFC4-6F175D3DCCD1}">
-                    <a14:hiddenFill xmlns:a14="http://schemas.microsoft.com/office/drawing/2010/main" xmlns="">
+                    <a14:hiddenFill xmlns="" xmlns:a14="http://schemas.microsoft.com/office/drawing/2010/main">
                       <a:solidFill>
                         <a:srgbClr val="FFFFFF"/>
                       </a:solidFill>
                     </a14:hiddenFill>
                   </a:ext>
                   <a:ext uri="{91240B29-F687-4f45-9708-019B960494DF}">
-                    <a14:hiddenLine xmlns:a14="http://schemas.microsoft.com/office/drawing/2010/main" xmlns="" w="9525">
+                    <a14:hiddenLine xmlns="" xmlns:a14="http://schemas.microsoft.com/office/drawing/2010/main" w="9525">
                       <a:solidFill>
                         <a:srgbClr val="000000"/>
                       </a:solidFill>
@@ -38546,14 +38594,14 @@
                 </a:ln>
                 <a:extLst>
                   <a:ext uri="{909E8E84-426E-40dd-AFC4-6F175D3DCCD1}">
-                    <a14:hiddenFill xmlns:a14="http://schemas.microsoft.com/office/drawing/2010/main" xmlns="">
+                    <a14:hiddenFill xmlns="" xmlns:a14="http://schemas.microsoft.com/office/drawing/2010/main">
                       <a:solidFill>
                         <a:srgbClr val="FFFFFF"/>
                       </a:solidFill>
                     </a14:hiddenFill>
                   </a:ext>
                   <a:ext uri="{91240B29-F687-4f45-9708-019B960494DF}">
-                    <a14:hiddenLine xmlns:a14="http://schemas.microsoft.com/office/drawing/2010/main" xmlns="" w="9525">
+                    <a14:hiddenLine xmlns="" xmlns:a14="http://schemas.microsoft.com/office/drawing/2010/main" w="9525">
                       <a:solidFill>
                         <a:srgbClr val="000000"/>
                       </a:solidFill>
@@ -38726,14 +38774,14 @@
                 </a:ln>
                 <a:extLst>
                   <a:ext uri="{909E8E84-426E-40dd-AFC4-6F175D3DCCD1}">
-                    <a14:hiddenFill xmlns:a14="http://schemas.microsoft.com/office/drawing/2010/main" xmlns="">
+                    <a14:hiddenFill xmlns="" xmlns:a14="http://schemas.microsoft.com/office/drawing/2010/main">
                       <a:solidFill>
                         <a:srgbClr val="FFFFFF"/>
                       </a:solidFill>
                     </a14:hiddenFill>
                   </a:ext>
                   <a:ext uri="{91240B29-F687-4f45-9708-019B960494DF}">
-                    <a14:hiddenLine xmlns:a14="http://schemas.microsoft.com/office/drawing/2010/main" xmlns="" w="9525">
+                    <a14:hiddenLine xmlns="" xmlns:a14="http://schemas.microsoft.com/office/drawing/2010/main" w="9525">
                       <a:solidFill>
                         <a:srgbClr val="000000"/>
                       </a:solidFill>
@@ -38907,14 +38955,14 @@
               </a:ln>
               <a:extLst>
                 <a:ext uri="{909E8E84-426E-40dd-AFC4-6F175D3DCCD1}">
-                  <a14:hiddenFill xmlns:a14="http://schemas.microsoft.com/office/drawing/2010/main" xmlns="">
+                  <a14:hiddenFill xmlns="" xmlns:a14="http://schemas.microsoft.com/office/drawing/2010/main">
                     <a:solidFill>
                       <a:srgbClr val="FFFFFF"/>
                     </a:solidFill>
                   </a14:hiddenFill>
                 </a:ext>
                 <a:ext uri="{91240B29-F687-4f45-9708-019B960494DF}">
-                  <a14:hiddenLine xmlns:a14="http://schemas.microsoft.com/office/drawing/2010/main" xmlns="" w="9525">
+                  <a14:hiddenLine xmlns="" xmlns:a14="http://schemas.microsoft.com/office/drawing/2010/main" w="9525">
                     <a:solidFill>
                       <a:srgbClr val="000000"/>
                     </a:solidFill>
@@ -39080,14 +39128,14 @@
               </a:ln>
               <a:extLst>
                 <a:ext uri="{909E8E84-426E-40dd-AFC4-6F175D3DCCD1}">
-                  <a14:hiddenFill xmlns:a14="http://schemas.microsoft.com/office/drawing/2010/main" xmlns="">
+                  <a14:hiddenFill xmlns="" xmlns:a14="http://schemas.microsoft.com/office/drawing/2010/main">
                     <a:solidFill>
                       <a:srgbClr val="FFFFFF"/>
                     </a:solidFill>
                   </a14:hiddenFill>
                 </a:ext>
                 <a:ext uri="{91240B29-F687-4f45-9708-019B960494DF}">
-                  <a14:hiddenLine xmlns:a14="http://schemas.microsoft.com/office/drawing/2010/main" xmlns="" w="9525">
+                  <a14:hiddenLine xmlns="" xmlns:a14="http://schemas.microsoft.com/office/drawing/2010/main" w="9525">
                     <a:solidFill>
                       <a:srgbClr val="000000"/>
                     </a:solidFill>
@@ -39254,14 +39302,14 @@
             </a:ln>
             <a:extLst>
               <a:ext uri="{909E8E84-426E-40dd-AFC4-6F175D3DCCD1}">
-                <a14:hiddenFill xmlns:a14="http://schemas.microsoft.com/office/drawing/2010/main" xmlns="">
+                <a14:hiddenFill xmlns="" xmlns:a14="http://schemas.microsoft.com/office/drawing/2010/main">
                   <a:solidFill>
                     <a:srgbClr val="FFFFFF"/>
                   </a:solidFill>
                 </a14:hiddenFill>
               </a:ext>
               <a:ext uri="{91240B29-F687-4f45-9708-019B960494DF}">
-                <a14:hiddenLine xmlns:a14="http://schemas.microsoft.com/office/drawing/2010/main" xmlns="" w="9525">
+                <a14:hiddenLine xmlns="" xmlns:a14="http://schemas.microsoft.com/office/drawing/2010/main" w="9525">
                   <a:solidFill>
                     <a:srgbClr val="000000"/>
                   </a:solidFill>
@@ -39467,14 +39515,14 @@
             </a:ln>
             <a:extLst>
               <a:ext uri="{909E8E84-426E-40dd-AFC4-6F175D3DCCD1}">
-                <a14:hiddenFill xmlns:a14="http://schemas.microsoft.com/office/drawing/2010/main" xmlns="">
+                <a14:hiddenFill xmlns="" xmlns:a14="http://schemas.microsoft.com/office/drawing/2010/main">
                   <a:solidFill>
                     <a:srgbClr val="FFFFFF"/>
                   </a:solidFill>
                 </a14:hiddenFill>
               </a:ext>
               <a:ext uri="{91240B29-F687-4f45-9708-019B960494DF}">
-                <a14:hiddenLine xmlns:a14="http://schemas.microsoft.com/office/drawing/2010/main" xmlns="" w="9525">
+                <a14:hiddenLine xmlns="" xmlns:a14="http://schemas.microsoft.com/office/drawing/2010/main" w="9525">
                   <a:solidFill>
                     <a:srgbClr val="000000"/>
                   </a:solidFill>
@@ -39647,14 +39695,14 @@
             </a:ln>
             <a:extLst>
               <a:ext uri="{909E8E84-426E-40dd-AFC4-6F175D3DCCD1}">
-                <a14:hiddenFill xmlns:a14="http://schemas.microsoft.com/office/drawing/2010/main" xmlns="">
+                <a14:hiddenFill xmlns="" xmlns:a14="http://schemas.microsoft.com/office/drawing/2010/main">
                   <a:solidFill>
                     <a:srgbClr val="FFFFFF"/>
                   </a:solidFill>
                 </a14:hiddenFill>
               </a:ext>
               <a:ext uri="{91240B29-F687-4f45-9708-019B960494DF}">
-                <a14:hiddenLine xmlns:a14="http://schemas.microsoft.com/office/drawing/2010/main" xmlns="" w="9525">
+                <a14:hiddenLine xmlns="" xmlns:a14="http://schemas.microsoft.com/office/drawing/2010/main" w="9525">
                   <a:solidFill>
                     <a:srgbClr val="000000"/>
                   </a:solidFill>
@@ -39827,14 +39875,14 @@
             </a:ln>
             <a:extLst>
               <a:ext uri="{909E8E84-426E-40dd-AFC4-6F175D3DCCD1}">
-                <a14:hiddenFill xmlns:a14="http://schemas.microsoft.com/office/drawing/2010/main" xmlns="">
+                <a14:hiddenFill xmlns="" xmlns:a14="http://schemas.microsoft.com/office/drawing/2010/main">
                   <a:solidFill>
                     <a:srgbClr val="FFFFFF"/>
                   </a:solidFill>
                 </a14:hiddenFill>
               </a:ext>
               <a:ext uri="{91240B29-F687-4f45-9708-019B960494DF}">
-                <a14:hiddenLine xmlns:a14="http://schemas.microsoft.com/office/drawing/2010/main" xmlns="" w="9525">
+                <a14:hiddenLine xmlns="" xmlns:a14="http://schemas.microsoft.com/office/drawing/2010/main" w="9525">
                   <a:solidFill>
                     <a:srgbClr val="000000"/>
                   </a:solidFill>
@@ -40000,14 +40048,14 @@
             </a:ln>
             <a:extLst>
               <a:ext uri="{909E8E84-426E-40dd-AFC4-6F175D3DCCD1}">
-                <a14:hiddenFill xmlns:a14="http://schemas.microsoft.com/office/drawing/2010/main" xmlns="">
+                <a14:hiddenFill xmlns="" xmlns:a14="http://schemas.microsoft.com/office/drawing/2010/main">
                   <a:solidFill>
                     <a:srgbClr val="FFFFFF"/>
                   </a:solidFill>
                 </a14:hiddenFill>
               </a:ext>
               <a:ext uri="{91240B29-F687-4f45-9708-019B960494DF}">
-                <a14:hiddenLine xmlns:a14="http://schemas.microsoft.com/office/drawing/2010/main" xmlns="" w="9525">
+                <a14:hiddenLine xmlns="" xmlns:a14="http://schemas.microsoft.com/office/drawing/2010/main" w="9525">
                   <a:solidFill>
                     <a:srgbClr val="000000"/>
                   </a:solidFill>
@@ -40173,14 +40221,14 @@
             </a:ln>
             <a:extLst>
               <a:ext uri="{909E8E84-426E-40dd-AFC4-6F175D3DCCD1}">
-                <a14:hiddenFill xmlns:a14="http://schemas.microsoft.com/office/drawing/2010/main" xmlns="">
+                <a14:hiddenFill xmlns="" xmlns:a14="http://schemas.microsoft.com/office/drawing/2010/main">
                   <a:solidFill>
                     <a:srgbClr val="FFFFFF"/>
                   </a:solidFill>
                 </a14:hiddenFill>
               </a:ext>
               <a:ext uri="{91240B29-F687-4f45-9708-019B960494DF}">
-                <a14:hiddenLine xmlns:a14="http://schemas.microsoft.com/office/drawing/2010/main" xmlns="" w="9525">
+                <a14:hiddenLine xmlns="" xmlns:a14="http://schemas.microsoft.com/office/drawing/2010/main" w="9525">
                   <a:solidFill>
                     <a:srgbClr val="000000"/>
                   </a:solidFill>
@@ -42982,14 +43030,14 @@
           </a:ln>
           <a:extLst>
             <a:ext uri="{909E8E84-426E-40dd-AFC4-6F175D3DCCD1}">
-              <a14:hiddenFill xmlns:a14="http://schemas.microsoft.com/office/drawing/2010/main" xmlns="">
+              <a14:hiddenFill xmlns="" xmlns:a14="http://schemas.microsoft.com/office/drawing/2010/main">
                 <a:solidFill>
                   <a:srgbClr val="FFFFFF"/>
                 </a:solidFill>
               </a14:hiddenFill>
             </a:ext>
             <a:ext uri="{91240B29-F687-4f45-9708-019B960494DF}">
-              <a14:hiddenLine xmlns:a14="http://schemas.microsoft.com/office/drawing/2010/main" xmlns="" w="9525">
+              <a14:hiddenLine xmlns="" xmlns:a14="http://schemas.microsoft.com/office/drawing/2010/main" w="9525">
                 <a:solidFill>
                   <a:srgbClr val="000000"/>
                 </a:solidFill>
@@ -43042,14 +43090,14 @@
           </a:ln>
           <a:extLst>
             <a:ext uri="{909E8E84-426E-40dd-AFC4-6F175D3DCCD1}">
-              <a14:hiddenFill xmlns:a14="http://schemas.microsoft.com/office/drawing/2010/main" xmlns="">
+              <a14:hiddenFill xmlns="" xmlns:a14="http://schemas.microsoft.com/office/drawing/2010/main">
                 <a:solidFill>
                   <a:srgbClr val="FFFFFF"/>
                 </a:solidFill>
               </a14:hiddenFill>
             </a:ext>
             <a:ext uri="{91240B29-F687-4f45-9708-019B960494DF}">
-              <a14:hiddenLine xmlns:a14="http://schemas.microsoft.com/office/drawing/2010/main" xmlns="" w="9525">
+              <a14:hiddenLine xmlns="" xmlns:a14="http://schemas.microsoft.com/office/drawing/2010/main" w="9525">
                 <a:solidFill>
                   <a:srgbClr val="000000"/>
                 </a:solidFill>
@@ -43178,14 +43226,14 @@
           </a:ln>
           <a:extLst>
             <a:ext uri="{909E8E84-426E-40dd-AFC4-6F175D3DCCD1}">
-              <a14:hiddenFill xmlns:a14="http://schemas.microsoft.com/office/drawing/2010/main" xmlns="">
+              <a14:hiddenFill xmlns="" xmlns:a14="http://schemas.microsoft.com/office/drawing/2010/main">
                 <a:solidFill>
                   <a:srgbClr val="FFFFFF"/>
                 </a:solidFill>
               </a14:hiddenFill>
             </a:ext>
             <a:ext uri="{91240B29-F687-4f45-9708-019B960494DF}">
-              <a14:hiddenLine xmlns:a14="http://schemas.microsoft.com/office/drawing/2010/main" xmlns="" w="9525">
+              <a14:hiddenLine xmlns="" xmlns:a14="http://schemas.microsoft.com/office/drawing/2010/main" w="9525">
                 <a:solidFill>
                   <a:srgbClr val="000000"/>
                 </a:solidFill>
@@ -43433,14 +43481,14 @@
             </a:ln>
             <a:extLst>
               <a:ext uri="{909E8E84-426E-40dd-AFC4-6F175D3DCCD1}">
-                <a14:hiddenFill xmlns:a14="http://schemas.microsoft.com/office/drawing/2010/main" xmlns="">
+                <a14:hiddenFill xmlns="" xmlns:a14="http://schemas.microsoft.com/office/drawing/2010/main">
                   <a:solidFill>
                     <a:srgbClr val="FFFFFF"/>
                   </a:solidFill>
                 </a14:hiddenFill>
               </a:ext>
               <a:ext uri="{91240B29-F687-4f45-9708-019B960494DF}">
-                <a14:hiddenLine xmlns:a14="http://schemas.microsoft.com/office/drawing/2010/main" xmlns="" w="9525">
+                <a14:hiddenLine xmlns="" xmlns:a14="http://schemas.microsoft.com/office/drawing/2010/main" w="9525">
                   <a:solidFill>
                     <a:srgbClr val="000000"/>
                   </a:solidFill>
@@ -43618,14 +43666,14 @@
           </a:ln>
           <a:extLst>
             <a:ext uri="{909E8E84-426E-40dd-AFC4-6F175D3DCCD1}">
-              <a14:hiddenFill xmlns:a14="http://schemas.microsoft.com/office/drawing/2010/main" xmlns="">
+              <a14:hiddenFill xmlns="" xmlns:a14="http://schemas.microsoft.com/office/drawing/2010/main">
                 <a:solidFill>
                   <a:srgbClr val="FFFFFF"/>
                 </a:solidFill>
               </a14:hiddenFill>
             </a:ext>
             <a:ext uri="{91240B29-F687-4f45-9708-019B960494DF}">
-              <a14:hiddenLine xmlns:a14="http://schemas.microsoft.com/office/drawing/2010/main" xmlns="" w="9525">
+              <a14:hiddenLine xmlns="" xmlns:a14="http://schemas.microsoft.com/office/drawing/2010/main" w="9525">
                 <a:solidFill>
                   <a:srgbClr val="000000"/>
                 </a:solidFill>
@@ -43792,7 +43840,7 @@
           </a:ln>
           <a:extLst>
             <a:ext uri="{909E8E84-426E-40dd-AFC4-6F175D3DCCD1}">
-              <a14:hiddenFill xmlns:a14="http://schemas.microsoft.com/office/drawing/2010/main" xmlns="">
+              <a14:hiddenFill xmlns="" xmlns:a14="http://schemas.microsoft.com/office/drawing/2010/main">
                 <a:noFill/>
               </a14:hiddenFill>
             </a:ext>
@@ -43839,7 +43887,7 @@
           </a:ln>
           <a:extLst>
             <a:ext uri="{909E8E84-426E-40dd-AFC4-6F175D3DCCD1}">
-              <a14:hiddenFill xmlns:a14="http://schemas.microsoft.com/office/drawing/2010/main" xmlns="">
+              <a14:hiddenFill xmlns="" xmlns:a14="http://schemas.microsoft.com/office/drawing/2010/main">
                 <a:noFill/>
               </a14:hiddenFill>
             </a:ext>
@@ -43881,14 +43929,14 @@
           </a:ln>
           <a:extLst>
             <a:ext uri="{909E8E84-426E-40dd-AFC4-6F175D3DCCD1}">
-              <a14:hiddenFill xmlns:a14="http://schemas.microsoft.com/office/drawing/2010/main" xmlns="">
+              <a14:hiddenFill xmlns="" xmlns:a14="http://schemas.microsoft.com/office/drawing/2010/main">
                 <a:solidFill>
                   <a:srgbClr val="FFFFFF"/>
                 </a:solidFill>
               </a14:hiddenFill>
             </a:ext>
             <a:ext uri="{91240B29-F687-4f45-9708-019B960494DF}">
-              <a14:hiddenLine xmlns:a14="http://schemas.microsoft.com/office/drawing/2010/main" xmlns="" w="9525">
+              <a14:hiddenLine xmlns="" xmlns:a14="http://schemas.microsoft.com/office/drawing/2010/main" w="9525">
                 <a:solidFill>
                   <a:srgbClr val="000000"/>
                 </a:solidFill>
@@ -44055,7 +44103,7 @@
           </a:ln>
           <a:extLst>
             <a:ext uri="{909E8E84-426E-40dd-AFC4-6F175D3DCCD1}">
-              <a14:hiddenFill xmlns:a14="http://schemas.microsoft.com/office/drawing/2010/main" xmlns="">
+              <a14:hiddenFill xmlns="" xmlns:a14="http://schemas.microsoft.com/office/drawing/2010/main">
                 <a:noFill/>
               </a14:hiddenFill>
             </a:ext>
@@ -44147,7 +44195,7 @@
           </a:ln>
           <a:extLst>
             <a:ext uri="{909E8E84-426E-40dd-AFC4-6F175D3DCCD1}">
-              <a14:hiddenFill xmlns:a14="http://schemas.microsoft.com/office/drawing/2010/main" xmlns="">
+              <a14:hiddenFill xmlns="" xmlns:a14="http://schemas.microsoft.com/office/drawing/2010/main">
                 <a:solidFill>
                   <a:srgbClr val="FFFFFF"/>
                 </a:solidFill>
@@ -44241,7 +44289,7 @@
           </a:ln>
           <a:extLst>
             <a:ext uri="{909E8E84-426E-40dd-AFC4-6F175D3DCCD1}">
-              <a14:hiddenFill xmlns:a14="http://schemas.microsoft.com/office/drawing/2010/main" xmlns="">
+              <a14:hiddenFill xmlns="" xmlns:a14="http://schemas.microsoft.com/office/drawing/2010/main">
                 <a:solidFill>
                   <a:srgbClr val="FFFFFF"/>
                 </a:solidFill>
@@ -44290,7 +44338,7 @@
           </a:ln>
           <a:extLst>
             <a:ext uri="{909E8E84-426E-40dd-AFC4-6F175D3DCCD1}">
-              <a14:hiddenFill xmlns:a14="http://schemas.microsoft.com/office/drawing/2010/main" xmlns="">
+              <a14:hiddenFill xmlns="" xmlns:a14="http://schemas.microsoft.com/office/drawing/2010/main">
                 <a:noFill/>
               </a14:hiddenFill>
             </a:ext>
@@ -44332,14 +44380,14 @@
           </a:ln>
           <a:extLst>
             <a:ext uri="{909E8E84-426E-40dd-AFC4-6F175D3DCCD1}">
-              <a14:hiddenFill xmlns:a14="http://schemas.microsoft.com/office/drawing/2010/main" xmlns="">
+              <a14:hiddenFill xmlns="" xmlns:a14="http://schemas.microsoft.com/office/drawing/2010/main">
                 <a:solidFill>
                   <a:srgbClr val="FFFFFF"/>
                 </a:solidFill>
               </a14:hiddenFill>
             </a:ext>
             <a:ext uri="{91240B29-F687-4f45-9708-019B960494DF}">
-              <a14:hiddenLine xmlns:a14="http://schemas.microsoft.com/office/drawing/2010/main" xmlns="" w="9525">
+              <a14:hiddenLine xmlns="" xmlns:a14="http://schemas.microsoft.com/office/drawing/2010/main" w="9525">
                 <a:solidFill>
                   <a:srgbClr val="000000"/>
                 </a:solidFill>
@@ -44506,7 +44554,7 @@
           </a:ln>
           <a:extLst>
             <a:ext uri="{909E8E84-426E-40dd-AFC4-6F175D3DCCD1}">
-              <a14:hiddenFill xmlns:a14="http://schemas.microsoft.com/office/drawing/2010/main" xmlns="">
+              <a14:hiddenFill xmlns="" xmlns:a14="http://schemas.microsoft.com/office/drawing/2010/main">
                 <a:noFill/>
               </a14:hiddenFill>
             </a:ext>
@@ -44548,14 +44596,14 @@
           </a:ln>
           <a:extLst>
             <a:ext uri="{909E8E84-426E-40dd-AFC4-6F175D3DCCD1}">
-              <a14:hiddenFill xmlns:a14="http://schemas.microsoft.com/office/drawing/2010/main" xmlns="">
+              <a14:hiddenFill xmlns="" xmlns:a14="http://schemas.microsoft.com/office/drawing/2010/main">
                 <a:solidFill>
                   <a:srgbClr val="FFFFFF"/>
                 </a:solidFill>
               </a14:hiddenFill>
             </a:ext>
             <a:ext uri="{91240B29-F687-4f45-9708-019B960494DF}">
-              <a14:hiddenLine xmlns:a14="http://schemas.microsoft.com/office/drawing/2010/main" xmlns="" w="9525">
+              <a14:hiddenLine xmlns="" xmlns:a14="http://schemas.microsoft.com/office/drawing/2010/main" w="9525">
                 <a:solidFill>
                   <a:srgbClr val="000000"/>
                 </a:solidFill>
@@ -44717,14 +44765,14 @@
           </a:ln>
           <a:extLst>
             <a:ext uri="{909E8E84-426E-40dd-AFC4-6F175D3DCCD1}">
-              <a14:hiddenFill xmlns:a14="http://schemas.microsoft.com/office/drawing/2010/main" xmlns="">
+              <a14:hiddenFill xmlns="" xmlns:a14="http://schemas.microsoft.com/office/drawing/2010/main">
                 <a:solidFill>
                   <a:srgbClr val="FFFFFF"/>
                 </a:solidFill>
               </a14:hiddenFill>
             </a:ext>
             <a:ext uri="{91240B29-F687-4f45-9708-019B960494DF}">
-              <a14:hiddenLine xmlns:a14="http://schemas.microsoft.com/office/drawing/2010/main" xmlns="" w="9525">
+              <a14:hiddenLine xmlns="" xmlns:a14="http://schemas.microsoft.com/office/drawing/2010/main" w="9525">
                 <a:solidFill>
                   <a:srgbClr val="000000"/>
                 </a:solidFill>
@@ -44889,14 +44937,14 @@
           </a:ln>
           <a:extLst>
             <a:ext uri="{909E8E84-426E-40dd-AFC4-6F175D3DCCD1}">
-              <a14:hiddenFill xmlns:a14="http://schemas.microsoft.com/office/drawing/2010/main" xmlns="">
+              <a14:hiddenFill xmlns="" xmlns:a14="http://schemas.microsoft.com/office/drawing/2010/main">
                 <a:solidFill>
                   <a:srgbClr val="FFFFFF"/>
                 </a:solidFill>
               </a14:hiddenFill>
             </a:ext>
             <a:ext uri="{91240B29-F687-4f45-9708-019B960494DF}">
-              <a14:hiddenLine xmlns:a14="http://schemas.microsoft.com/office/drawing/2010/main" xmlns="" w="9525">
+              <a14:hiddenLine xmlns="" xmlns:a14="http://schemas.microsoft.com/office/drawing/2010/main" w="9525">
                 <a:solidFill>
                   <a:srgbClr val="000000"/>
                 </a:solidFill>
@@ -45061,14 +45109,14 @@
           </a:ln>
           <a:extLst>
             <a:ext uri="{909E8E84-426E-40dd-AFC4-6F175D3DCCD1}">
-              <a14:hiddenFill xmlns:a14="http://schemas.microsoft.com/office/drawing/2010/main" xmlns="">
+              <a14:hiddenFill xmlns="" xmlns:a14="http://schemas.microsoft.com/office/drawing/2010/main">
                 <a:solidFill>
                   <a:srgbClr val="FFFFFF"/>
                 </a:solidFill>
               </a14:hiddenFill>
             </a:ext>
             <a:ext uri="{91240B29-F687-4f45-9708-019B960494DF}">
-              <a14:hiddenLine xmlns:a14="http://schemas.microsoft.com/office/drawing/2010/main" xmlns="" w="9525">
+              <a14:hiddenLine xmlns="" xmlns:a14="http://schemas.microsoft.com/office/drawing/2010/main" w="9525">
                 <a:solidFill>
                   <a:srgbClr val="000000"/>
                 </a:solidFill>
@@ -47204,7 +47252,7 @@
           </a:ln>
           <a:extLst>
             <a:ext uri="{91240B29-F687-4f45-9708-019B960494DF}">
-              <a14:hiddenLine xmlns:a14="http://schemas.microsoft.com/office/drawing/2010/main" xmlns="" w="9525">
+              <a14:hiddenLine xmlns="" xmlns:a14="http://schemas.microsoft.com/office/drawing/2010/main" w="9525">
                 <a:solidFill>
                   <a:srgbClr val="000000"/>
                 </a:solidFill>
@@ -47372,7 +47420,7 @@
           </a:ln>
           <a:extLst>
             <a:ext uri="{91240B29-F687-4f45-9708-019B960494DF}">
-              <a14:hiddenLine xmlns:a14="http://schemas.microsoft.com/office/drawing/2010/main" xmlns="" w="9525">
+              <a14:hiddenLine xmlns="" xmlns:a14="http://schemas.microsoft.com/office/drawing/2010/main" w="9525">
                 <a:solidFill>
                   <a:srgbClr val="000000"/>
                 </a:solidFill>
@@ -47540,7 +47588,7 @@
           </a:ln>
           <a:extLst>
             <a:ext uri="{91240B29-F687-4f45-9708-019B960494DF}">
-              <a14:hiddenLine xmlns:a14="http://schemas.microsoft.com/office/drawing/2010/main" xmlns="" w="9525">
+              <a14:hiddenLine xmlns="" xmlns:a14="http://schemas.microsoft.com/office/drawing/2010/main" w="9525">
                 <a:solidFill>
                   <a:srgbClr val="000000"/>
                 </a:solidFill>
@@ -47730,7 +47778,7 @@
             </a:ln>
             <a:extLst>
               <a:ext uri="{91240B29-F687-4f45-9708-019B960494DF}">
-                <a14:hiddenLine xmlns:a14="http://schemas.microsoft.com/office/drawing/2010/main" xmlns="" w="9525">
+                <a14:hiddenLine xmlns="" xmlns:a14="http://schemas.microsoft.com/office/drawing/2010/main" w="9525">
                   <a:solidFill>
                     <a:srgbClr val="000000"/>
                   </a:solidFill>
@@ -47896,14 +47944,14 @@
             </a:ln>
             <a:extLst>
               <a:ext uri="{909E8E84-426E-40dd-AFC4-6F175D3DCCD1}">
-                <a14:hiddenFill xmlns:a14="http://schemas.microsoft.com/office/drawing/2010/main" xmlns="">
+                <a14:hiddenFill xmlns="" xmlns:a14="http://schemas.microsoft.com/office/drawing/2010/main">
                   <a:solidFill>
                     <a:srgbClr val="FFFFFF"/>
                   </a:solidFill>
                 </a14:hiddenFill>
               </a:ext>
               <a:ext uri="{91240B29-F687-4f45-9708-019B960494DF}">
-                <a14:hiddenLine xmlns:a14="http://schemas.microsoft.com/office/drawing/2010/main" xmlns="" w="9525">
+                <a14:hiddenLine xmlns="" xmlns:a14="http://schemas.microsoft.com/office/drawing/2010/main" w="9525">
                   <a:solidFill>
                     <a:srgbClr val="000000"/>
                   </a:solidFill>
@@ -48083,14 +48131,14 @@
           </a:ln>
           <a:extLst>
             <a:ext uri="{909E8E84-426E-40dd-AFC4-6F175D3DCCD1}">
-              <a14:hiddenFill xmlns:a14="http://schemas.microsoft.com/office/drawing/2010/main" xmlns="">
+              <a14:hiddenFill xmlns="" xmlns:a14="http://schemas.microsoft.com/office/drawing/2010/main">
                 <a:solidFill>
                   <a:srgbClr val="FFFFFF"/>
                 </a:solidFill>
               </a14:hiddenFill>
             </a:ext>
             <a:ext uri="{91240B29-F687-4f45-9708-019B960494DF}">
-              <a14:hiddenLine xmlns:a14="http://schemas.microsoft.com/office/drawing/2010/main" xmlns="" w="9525">
+              <a14:hiddenLine xmlns="" xmlns:a14="http://schemas.microsoft.com/office/drawing/2010/main" w="9525">
                 <a:solidFill>
                   <a:srgbClr val="000000"/>
                 </a:solidFill>
@@ -48143,14 +48191,14 @@
           </a:ln>
           <a:extLst>
             <a:ext uri="{909E8E84-426E-40dd-AFC4-6F175D3DCCD1}">
-              <a14:hiddenFill xmlns:a14="http://schemas.microsoft.com/office/drawing/2010/main" xmlns="">
+              <a14:hiddenFill xmlns="" xmlns:a14="http://schemas.microsoft.com/office/drawing/2010/main">
                 <a:solidFill>
                   <a:srgbClr val="FFFFFF"/>
                 </a:solidFill>
               </a14:hiddenFill>
             </a:ext>
             <a:ext uri="{91240B29-F687-4f45-9708-019B960494DF}">
-              <a14:hiddenLine xmlns:a14="http://schemas.microsoft.com/office/drawing/2010/main" xmlns="" w="9525">
+              <a14:hiddenLine xmlns="" xmlns:a14="http://schemas.microsoft.com/office/drawing/2010/main" w="9525">
                 <a:solidFill>
                   <a:srgbClr val="000000"/>
                 </a:solidFill>
@@ -48241,14 +48289,14 @@
           </a:ln>
           <a:extLst>
             <a:ext uri="{909E8E84-426E-40dd-AFC4-6F175D3DCCD1}">
-              <a14:hiddenFill xmlns:a14="http://schemas.microsoft.com/office/drawing/2010/main" xmlns="">
+              <a14:hiddenFill xmlns="" xmlns:a14="http://schemas.microsoft.com/office/drawing/2010/main">
                 <a:solidFill>
                   <a:srgbClr val="FFFFFF"/>
                 </a:solidFill>
               </a14:hiddenFill>
             </a:ext>
             <a:ext uri="{91240B29-F687-4f45-9708-019B960494DF}">
-              <a14:hiddenLine xmlns:a14="http://schemas.microsoft.com/office/drawing/2010/main" xmlns="" w="9525">
+              <a14:hiddenLine xmlns="" xmlns:a14="http://schemas.microsoft.com/office/drawing/2010/main" w="9525">
                 <a:solidFill>
                   <a:srgbClr val="000000"/>
                 </a:solidFill>
@@ -48493,14 +48541,14 @@
           </a:effectLst>
           <a:extLst>
             <a:ext uri="{909E8E84-426E-40dd-AFC4-6F175D3DCCD1}">
-              <a14:hiddenFill xmlns:a14="http://schemas.microsoft.com/office/drawing/2010/main" xmlns="">
+              <a14:hiddenFill xmlns="" xmlns:a14="http://schemas.microsoft.com/office/drawing/2010/main">
                 <a:solidFill>
                   <a:srgbClr val="FFFFFF"/>
                 </a:solidFill>
               </a14:hiddenFill>
             </a:ext>
             <a:ext uri="{91240B29-F687-4f45-9708-019B960494DF}">
-              <a14:hiddenLine xmlns:a14="http://schemas.microsoft.com/office/drawing/2010/main" xmlns="" w="9525">
+              <a14:hiddenLine xmlns="" xmlns:a14="http://schemas.microsoft.com/office/drawing/2010/main" w="9525">
                 <a:solidFill>
                   <a:srgbClr val="000000"/>
                 </a:solidFill>
@@ -48737,7 +48785,7 @@
           </a:ln>
           <a:extLst>
             <a:ext uri="{909E8E84-426E-40dd-AFC4-6F175D3DCCD1}">
-              <a14:hiddenFill xmlns:a14="http://schemas.microsoft.com/office/drawing/2010/main" xmlns="">
+              <a14:hiddenFill xmlns="" xmlns:a14="http://schemas.microsoft.com/office/drawing/2010/main">
                 <a:solidFill>
                   <a:srgbClr val="FFFFFF"/>
                 </a:solidFill>
@@ -48831,7 +48879,7 @@
           </a:ln>
           <a:extLst>
             <a:ext uri="{909E8E84-426E-40dd-AFC4-6F175D3DCCD1}">
-              <a14:hiddenFill xmlns:a14="http://schemas.microsoft.com/office/drawing/2010/main" xmlns="">
+              <a14:hiddenFill xmlns="" xmlns:a14="http://schemas.microsoft.com/office/drawing/2010/main">
                 <a:solidFill>
                   <a:srgbClr val="FFFFFF"/>
                 </a:solidFill>
@@ -48877,7 +48925,7 @@
           </a:ln>
           <a:extLst>
             <a:ext uri="{91240B29-F687-4f45-9708-019B960494DF}">
-              <a14:hiddenLine xmlns:a14="http://schemas.microsoft.com/office/drawing/2010/main" xmlns="" w="9525">
+              <a14:hiddenLine xmlns="" xmlns:a14="http://schemas.microsoft.com/office/drawing/2010/main" w="9525">
                 <a:solidFill>
                   <a:srgbClr val="000000"/>
                 </a:solidFill>
@@ -49081,7 +49129,7 @@
           </a:ln>
           <a:extLst>
             <a:ext uri="{91240B29-F687-4f45-9708-019B960494DF}">
-              <a14:hiddenLine xmlns:a14="http://schemas.microsoft.com/office/drawing/2010/main" xmlns="" w="9525">
+              <a14:hiddenLine xmlns="" xmlns:a14="http://schemas.microsoft.com/office/drawing/2010/main" w="9525">
                 <a:solidFill>
                   <a:srgbClr val="000000"/>
                 </a:solidFill>
@@ -49296,14 +49344,14 @@
           </a:ln>
           <a:extLst>
             <a:ext uri="{909E8E84-426E-40dd-AFC4-6F175D3DCCD1}">
-              <a14:hiddenFill xmlns:a14="http://schemas.microsoft.com/office/drawing/2010/main" xmlns="">
+              <a14:hiddenFill xmlns="" xmlns:a14="http://schemas.microsoft.com/office/drawing/2010/main">
                 <a:solidFill>
                   <a:srgbClr val="FFFFFF"/>
                 </a:solidFill>
               </a14:hiddenFill>
             </a:ext>
             <a:ext uri="{91240B29-F687-4f45-9708-019B960494DF}">
-              <a14:hiddenLine xmlns:a14="http://schemas.microsoft.com/office/drawing/2010/main" xmlns="" w="9525">
+              <a14:hiddenLine xmlns="" xmlns:a14="http://schemas.microsoft.com/office/drawing/2010/main" w="9525">
                 <a:solidFill>
                   <a:srgbClr val="000000"/>
                 </a:solidFill>
@@ -49367,7 +49415,7 @@
             </a:ln>
             <a:extLst>
               <a:ext uri="{91240B29-F687-4f45-9708-019B960494DF}">
-                <a14:hiddenLine xmlns:a14="http://schemas.microsoft.com/office/drawing/2010/main" xmlns="" w="9525">
+                <a14:hiddenLine xmlns="" xmlns:a14="http://schemas.microsoft.com/office/drawing/2010/main" w="9525">
                   <a:solidFill>
                     <a:srgbClr val="000000"/>
                   </a:solidFill>
@@ -49533,14 +49581,14 @@
             </a:ln>
             <a:extLst>
               <a:ext uri="{909E8E84-426E-40dd-AFC4-6F175D3DCCD1}">
-                <a14:hiddenFill xmlns:a14="http://schemas.microsoft.com/office/drawing/2010/main" xmlns="">
+                <a14:hiddenFill xmlns="" xmlns:a14="http://schemas.microsoft.com/office/drawing/2010/main">
                   <a:solidFill>
                     <a:srgbClr val="FFFFFF"/>
                   </a:solidFill>
                 </a14:hiddenFill>
               </a:ext>
               <a:ext uri="{91240B29-F687-4f45-9708-019B960494DF}">
-                <a14:hiddenLine xmlns:a14="http://schemas.microsoft.com/office/drawing/2010/main" xmlns="" w="9525">
+                <a14:hiddenLine xmlns="" xmlns:a14="http://schemas.microsoft.com/office/drawing/2010/main" w="9525">
                   <a:solidFill>
                     <a:srgbClr val="000000"/>
                   </a:solidFill>
@@ -49720,14 +49768,14 @@
           </a:ln>
           <a:extLst>
             <a:ext uri="{909E8E84-426E-40dd-AFC4-6F175D3DCCD1}">
-              <a14:hiddenFill xmlns:a14="http://schemas.microsoft.com/office/drawing/2010/main" xmlns="">
+              <a14:hiddenFill xmlns="" xmlns:a14="http://schemas.microsoft.com/office/drawing/2010/main">
                 <a:solidFill>
                   <a:srgbClr val="FFFFFF"/>
                 </a:solidFill>
               </a14:hiddenFill>
             </a:ext>
             <a:ext uri="{91240B29-F687-4f45-9708-019B960494DF}">
-              <a14:hiddenLine xmlns:a14="http://schemas.microsoft.com/office/drawing/2010/main" xmlns="" w="9525">
+              <a14:hiddenLine xmlns="" xmlns:a14="http://schemas.microsoft.com/office/drawing/2010/main" w="9525">
                 <a:solidFill>
                   <a:srgbClr val="000000"/>
                 </a:solidFill>
@@ -49780,14 +49828,14 @@
           </a:ln>
           <a:extLst>
             <a:ext uri="{909E8E84-426E-40dd-AFC4-6F175D3DCCD1}">
-              <a14:hiddenFill xmlns:a14="http://schemas.microsoft.com/office/drawing/2010/main" xmlns="">
+              <a14:hiddenFill xmlns="" xmlns:a14="http://schemas.microsoft.com/office/drawing/2010/main">
                 <a:solidFill>
                   <a:srgbClr val="FFFFFF"/>
                 </a:solidFill>
               </a14:hiddenFill>
             </a:ext>
             <a:ext uri="{91240B29-F687-4f45-9708-019B960494DF}">
-              <a14:hiddenLine xmlns:a14="http://schemas.microsoft.com/office/drawing/2010/main" xmlns="" w="9525">
+              <a14:hiddenLine xmlns="" xmlns:a14="http://schemas.microsoft.com/office/drawing/2010/main" w="9525">
                 <a:solidFill>
                   <a:srgbClr val="000000"/>
                 </a:solidFill>
@@ -50667,4 +50715,10 @@
     </a:ext>
   </a:extLst>
 </a:theme>
+</file>
+
+<file path=docMetadata/LabelInfo.xml><?xml version="1.0" encoding="utf-8"?>
+<clbl:labelList xmlns:clbl="http://schemas.microsoft.com/office/2020/mipLabelMetadata">
+  <clbl:label id="{f13b610e-d3b5-490f-b165-988100e8232a}" enabled="1" method="Standard" siteId="{5a4ba6f9-f531-4f32-9467-398f19e69de4}" contentBits="1" removed="0"/>
+</clbl:labelList>
 </file>